--- a/Rule your solutions.pptx
+++ b/Rule your solutions.pptx
@@ -4,20 +4,25 @@
   <p:sldMasterIdLst>
     <p:sldMasterId id="2147483660" r:id="rId1"/>
   </p:sldMasterIdLst>
+  <p:notesMasterIdLst>
+    <p:notesMasterId r:id="rId17"/>
+  </p:notesMasterIdLst>
   <p:sldIdLst>
-    <p:sldId id="256" r:id="rId2"/>
-    <p:sldId id="257" r:id="rId3"/>
-    <p:sldId id="258" r:id="rId4"/>
-    <p:sldId id="259" r:id="rId5"/>
-    <p:sldId id="260" r:id="rId6"/>
-    <p:sldId id="261" r:id="rId7"/>
-    <p:sldId id="262" r:id="rId8"/>
-    <p:sldId id="263" r:id="rId9"/>
-    <p:sldId id="264" r:id="rId10"/>
-    <p:sldId id="265" r:id="rId11"/>
-    <p:sldId id="266" r:id="rId12"/>
-    <p:sldId id="268" r:id="rId13"/>
-    <p:sldId id="269" r:id="rId14"/>
+    <p:sldId id="271" r:id="rId2"/>
+    <p:sldId id="272" r:id="rId3"/>
+    <p:sldId id="270" r:id="rId4"/>
+    <p:sldId id="257" r:id="rId5"/>
+    <p:sldId id="258" r:id="rId6"/>
+    <p:sldId id="259" r:id="rId7"/>
+    <p:sldId id="260" r:id="rId8"/>
+    <p:sldId id="261" r:id="rId9"/>
+    <p:sldId id="262" r:id="rId10"/>
+    <p:sldId id="263" r:id="rId11"/>
+    <p:sldId id="264" r:id="rId12"/>
+    <p:sldId id="265" r:id="rId13"/>
+    <p:sldId id="266" r:id="rId14"/>
+    <p:sldId id="268" r:id="rId15"/>
+    <p:sldId id="269" r:id="rId16"/>
   </p:sldIdLst>
   <p:sldSz cx="9144000" cy="6858000" type="screen4x3"/>
   <p:notesSz cx="6858000" cy="9144000"/>
@@ -116,7 +121,469 @@
       </a:defRPr>
     </a:lvl9pPr>
   </p:defaultTextStyle>
+  <p:extLst>
+    <p:ext uri="{EFAFB233-063F-42B5-8137-9DF3F51BA10A}">
+      <p15:sldGuideLst xmlns:p15="http://schemas.microsoft.com/office/powerpoint/2012/main">
+        <p15:guide id="1" orient="horz" pos="2160">
+          <p15:clr>
+            <a:srgbClr val="A4A3A4"/>
+          </p15:clr>
+        </p15:guide>
+        <p15:guide id="2" pos="2880">
+          <p15:clr>
+            <a:srgbClr val="A4A3A4"/>
+          </p15:clr>
+        </p15:guide>
+      </p15:sldGuideLst>
+    </p:ext>
+  </p:extLst>
 </p:presentation>
+</file>
+
+<file path=ppt/notesMasters/notesMaster1.xml><?xml version="1.0" encoding="utf-8"?>
+<p:notesMaster xmlns:a="http://schemas.openxmlformats.org/drawingml/2006/main" xmlns:r="http://schemas.openxmlformats.org/officeDocument/2006/relationships" xmlns:p="http://schemas.openxmlformats.org/presentationml/2006/main">
+  <p:cSld>
+    <p:bg>
+      <p:bgRef idx="1001">
+        <a:schemeClr val="bg1"/>
+      </p:bgRef>
+    </p:bg>
+    <p:spTree>
+      <p:nvGrpSpPr>
+        <p:cNvPr id="1" name=""/>
+        <p:cNvGrpSpPr/>
+        <p:nvPr/>
+      </p:nvGrpSpPr>
+      <p:grpSpPr>
+        <a:xfrm>
+          <a:off x="0" y="0"/>
+          <a:ext cx="0" cy="0"/>
+          <a:chOff x="0" y="0"/>
+          <a:chExt cx="0" cy="0"/>
+        </a:xfrm>
+      </p:grpSpPr>
+      <p:sp>
+        <p:nvSpPr>
+          <p:cNvPr id="2" name="Header Placeholder 1"/>
+          <p:cNvSpPr>
+            <a:spLocks noGrp="1"/>
+          </p:cNvSpPr>
+          <p:nvPr>
+            <p:ph type="hdr" sz="quarter"/>
+          </p:nvPr>
+        </p:nvSpPr>
+        <p:spPr>
+          <a:xfrm>
+            <a:off x="0" y="0"/>
+            <a:ext cx="2971800" cy="458788"/>
+          </a:xfrm>
+          <a:prstGeom prst="rect">
+            <a:avLst/>
+          </a:prstGeom>
+        </p:spPr>
+        <p:txBody>
+          <a:bodyPr vert="horz" lIns="91440" tIns="45720" rIns="91440" bIns="45720" rtlCol="0"/>
+          <a:lstStyle>
+            <a:lvl1pPr algn="l">
+              <a:defRPr sz="1200"/>
+            </a:lvl1pPr>
+          </a:lstStyle>
+          <a:p>
+            <a:endParaRPr lang="en-GB"/>
+          </a:p>
+        </p:txBody>
+      </p:sp>
+      <p:sp>
+        <p:nvSpPr>
+          <p:cNvPr id="3" name="Date Placeholder 2"/>
+          <p:cNvSpPr>
+            <a:spLocks noGrp="1"/>
+          </p:cNvSpPr>
+          <p:nvPr>
+            <p:ph type="dt" idx="1"/>
+          </p:nvPr>
+        </p:nvSpPr>
+        <p:spPr>
+          <a:xfrm>
+            <a:off x="3884613" y="0"/>
+            <a:ext cx="2971800" cy="458788"/>
+          </a:xfrm>
+          <a:prstGeom prst="rect">
+            <a:avLst/>
+          </a:prstGeom>
+        </p:spPr>
+        <p:txBody>
+          <a:bodyPr vert="horz" lIns="91440" tIns="45720" rIns="91440" bIns="45720" rtlCol="0"/>
+          <a:lstStyle>
+            <a:lvl1pPr algn="r">
+              <a:defRPr sz="1200"/>
+            </a:lvl1pPr>
+          </a:lstStyle>
+          <a:p>
+            <a:fld id="{D2364A70-0855-4F2E-8611-E769D4997C0D}" type="datetimeFigureOut">
+              <a:rPr lang="en-GB" smtClean="0"/>
+              <a:t>17/01/2017</a:t>
+            </a:fld>
+            <a:endParaRPr lang="en-GB"/>
+          </a:p>
+        </p:txBody>
+      </p:sp>
+      <p:sp>
+        <p:nvSpPr>
+          <p:cNvPr id="4" name="Slide Image Placeholder 3"/>
+          <p:cNvSpPr>
+            <a:spLocks noGrp="1" noRot="1" noChangeAspect="1"/>
+          </p:cNvSpPr>
+          <p:nvPr>
+            <p:ph type="sldImg" idx="2"/>
+          </p:nvPr>
+        </p:nvSpPr>
+        <p:spPr>
+          <a:xfrm>
+            <a:off x="1371600" y="1143000"/>
+            <a:ext cx="4114800" cy="3086100"/>
+          </a:xfrm>
+          <a:prstGeom prst="rect">
+            <a:avLst/>
+          </a:prstGeom>
+          <a:noFill/>
+          <a:ln w="12700">
+            <a:solidFill>
+              <a:prstClr val="black"/>
+            </a:solidFill>
+          </a:ln>
+        </p:spPr>
+        <p:txBody>
+          <a:bodyPr vert="horz" lIns="91440" tIns="45720" rIns="91440" bIns="45720" rtlCol="0" anchor="ctr"/>
+          <a:lstStyle/>
+          <a:p>
+            <a:endParaRPr lang="en-GB"/>
+          </a:p>
+        </p:txBody>
+      </p:sp>
+      <p:sp>
+        <p:nvSpPr>
+          <p:cNvPr id="5" name="Notes Placeholder 4"/>
+          <p:cNvSpPr>
+            <a:spLocks noGrp="1"/>
+          </p:cNvSpPr>
+          <p:nvPr>
+            <p:ph type="body" sz="quarter" idx="3"/>
+          </p:nvPr>
+        </p:nvSpPr>
+        <p:spPr>
+          <a:xfrm>
+            <a:off x="685800" y="4400550"/>
+            <a:ext cx="5486400" cy="3600450"/>
+          </a:xfrm>
+          <a:prstGeom prst="rect">
+            <a:avLst/>
+          </a:prstGeom>
+        </p:spPr>
+        <p:txBody>
+          <a:bodyPr vert="horz" lIns="91440" tIns="45720" rIns="91440" bIns="45720" rtlCol="0"/>
+          <a:lstStyle/>
+          <a:p>
+            <a:pPr lvl="0"/>
+            <a:r>
+              <a:rPr lang="en-US" smtClean="0"/>
+              <a:t>Click to edit Master text styles</a:t>
+            </a:r>
+          </a:p>
+          <a:p>
+            <a:pPr lvl="1"/>
+            <a:r>
+              <a:rPr lang="en-US" smtClean="0"/>
+              <a:t>Second level</a:t>
+            </a:r>
+          </a:p>
+          <a:p>
+            <a:pPr lvl="2"/>
+            <a:r>
+              <a:rPr lang="en-US" smtClean="0"/>
+              <a:t>Third level</a:t>
+            </a:r>
+          </a:p>
+          <a:p>
+            <a:pPr lvl="3"/>
+            <a:r>
+              <a:rPr lang="en-US" smtClean="0"/>
+              <a:t>Fourth level</a:t>
+            </a:r>
+          </a:p>
+          <a:p>
+            <a:pPr lvl="4"/>
+            <a:r>
+              <a:rPr lang="en-US" smtClean="0"/>
+              <a:t>Fifth level</a:t>
+            </a:r>
+            <a:endParaRPr lang="en-GB"/>
+          </a:p>
+        </p:txBody>
+      </p:sp>
+      <p:sp>
+        <p:nvSpPr>
+          <p:cNvPr id="6" name="Footer Placeholder 5"/>
+          <p:cNvSpPr>
+            <a:spLocks noGrp="1"/>
+          </p:cNvSpPr>
+          <p:nvPr>
+            <p:ph type="ftr" sz="quarter" idx="4"/>
+          </p:nvPr>
+        </p:nvSpPr>
+        <p:spPr>
+          <a:xfrm>
+            <a:off x="0" y="8685213"/>
+            <a:ext cx="2971800" cy="458787"/>
+          </a:xfrm>
+          <a:prstGeom prst="rect">
+            <a:avLst/>
+          </a:prstGeom>
+        </p:spPr>
+        <p:txBody>
+          <a:bodyPr vert="horz" lIns="91440" tIns="45720" rIns="91440" bIns="45720" rtlCol="0" anchor="b"/>
+          <a:lstStyle>
+            <a:lvl1pPr algn="l">
+              <a:defRPr sz="1200"/>
+            </a:lvl1pPr>
+          </a:lstStyle>
+          <a:p>
+            <a:endParaRPr lang="en-GB"/>
+          </a:p>
+        </p:txBody>
+      </p:sp>
+      <p:sp>
+        <p:nvSpPr>
+          <p:cNvPr id="7" name="Slide Number Placeholder 6"/>
+          <p:cNvSpPr>
+            <a:spLocks noGrp="1"/>
+          </p:cNvSpPr>
+          <p:nvPr>
+            <p:ph type="sldNum" sz="quarter" idx="5"/>
+          </p:nvPr>
+        </p:nvSpPr>
+        <p:spPr>
+          <a:xfrm>
+            <a:off x="3884613" y="8685213"/>
+            <a:ext cx="2971800" cy="458787"/>
+          </a:xfrm>
+          <a:prstGeom prst="rect">
+            <a:avLst/>
+          </a:prstGeom>
+        </p:spPr>
+        <p:txBody>
+          <a:bodyPr vert="horz" lIns="91440" tIns="45720" rIns="91440" bIns="45720" rtlCol="0" anchor="b"/>
+          <a:lstStyle>
+            <a:lvl1pPr algn="r">
+              <a:defRPr sz="1200"/>
+            </a:lvl1pPr>
+          </a:lstStyle>
+          <a:p>
+            <a:fld id="{6FE02C74-E09A-4BCB-A5F4-476E0F06F59A}" type="slidenum">
+              <a:rPr lang="en-GB" smtClean="0"/>
+              <a:t>‹#›</a:t>
+            </a:fld>
+            <a:endParaRPr lang="en-GB"/>
+          </a:p>
+        </p:txBody>
+      </p:sp>
+    </p:spTree>
+    <p:extLst>
+      <p:ext uri="{BB962C8B-B14F-4D97-AF65-F5344CB8AC3E}">
+        <p14:creationId xmlns:p14="http://schemas.microsoft.com/office/powerpoint/2010/main" val="3680432554"/>
+      </p:ext>
+    </p:extLst>
+  </p:cSld>
+  <p:clrMap bg1="lt1" tx1="dk1" bg2="lt2" tx2="dk2" accent1="accent1" accent2="accent2" accent3="accent3" accent4="accent4" accent5="accent5" accent6="accent6" hlink="hlink" folHlink="folHlink"/>
+  <p:notesStyle>
+    <a:lvl1pPr marL="0" algn="l" defTabSz="914400" rtl="0" eaLnBrk="1" latinLnBrk="0" hangingPunct="1">
+      <a:defRPr sz="1200" kern="1200">
+        <a:solidFill>
+          <a:schemeClr val="tx1"/>
+        </a:solidFill>
+        <a:latin typeface="+mn-lt"/>
+        <a:ea typeface="+mn-ea"/>
+        <a:cs typeface="+mn-cs"/>
+      </a:defRPr>
+    </a:lvl1pPr>
+    <a:lvl2pPr marL="457200" algn="l" defTabSz="914400" rtl="0" eaLnBrk="1" latinLnBrk="0" hangingPunct="1">
+      <a:defRPr sz="1200" kern="1200">
+        <a:solidFill>
+          <a:schemeClr val="tx1"/>
+        </a:solidFill>
+        <a:latin typeface="+mn-lt"/>
+        <a:ea typeface="+mn-ea"/>
+        <a:cs typeface="+mn-cs"/>
+      </a:defRPr>
+    </a:lvl2pPr>
+    <a:lvl3pPr marL="914400" algn="l" defTabSz="914400" rtl="0" eaLnBrk="1" latinLnBrk="0" hangingPunct="1">
+      <a:defRPr sz="1200" kern="1200">
+        <a:solidFill>
+          <a:schemeClr val="tx1"/>
+        </a:solidFill>
+        <a:latin typeface="+mn-lt"/>
+        <a:ea typeface="+mn-ea"/>
+        <a:cs typeface="+mn-cs"/>
+      </a:defRPr>
+    </a:lvl3pPr>
+    <a:lvl4pPr marL="1371600" algn="l" defTabSz="914400" rtl="0" eaLnBrk="1" latinLnBrk="0" hangingPunct="1">
+      <a:defRPr sz="1200" kern="1200">
+        <a:solidFill>
+          <a:schemeClr val="tx1"/>
+        </a:solidFill>
+        <a:latin typeface="+mn-lt"/>
+        <a:ea typeface="+mn-ea"/>
+        <a:cs typeface="+mn-cs"/>
+      </a:defRPr>
+    </a:lvl4pPr>
+    <a:lvl5pPr marL="1828800" algn="l" defTabSz="914400" rtl="0" eaLnBrk="1" latinLnBrk="0" hangingPunct="1">
+      <a:defRPr sz="1200" kern="1200">
+        <a:solidFill>
+          <a:schemeClr val="tx1"/>
+        </a:solidFill>
+        <a:latin typeface="+mn-lt"/>
+        <a:ea typeface="+mn-ea"/>
+        <a:cs typeface="+mn-cs"/>
+      </a:defRPr>
+    </a:lvl5pPr>
+    <a:lvl6pPr marL="2286000" algn="l" defTabSz="914400" rtl="0" eaLnBrk="1" latinLnBrk="0" hangingPunct="1">
+      <a:defRPr sz="1200" kern="1200">
+        <a:solidFill>
+          <a:schemeClr val="tx1"/>
+        </a:solidFill>
+        <a:latin typeface="+mn-lt"/>
+        <a:ea typeface="+mn-ea"/>
+        <a:cs typeface="+mn-cs"/>
+      </a:defRPr>
+    </a:lvl6pPr>
+    <a:lvl7pPr marL="2743200" algn="l" defTabSz="914400" rtl="0" eaLnBrk="1" latinLnBrk="0" hangingPunct="1">
+      <a:defRPr sz="1200" kern="1200">
+        <a:solidFill>
+          <a:schemeClr val="tx1"/>
+        </a:solidFill>
+        <a:latin typeface="+mn-lt"/>
+        <a:ea typeface="+mn-ea"/>
+        <a:cs typeface="+mn-cs"/>
+      </a:defRPr>
+    </a:lvl7pPr>
+    <a:lvl8pPr marL="3200400" algn="l" defTabSz="914400" rtl="0" eaLnBrk="1" latinLnBrk="0" hangingPunct="1">
+      <a:defRPr sz="1200" kern="1200">
+        <a:solidFill>
+          <a:schemeClr val="tx1"/>
+        </a:solidFill>
+        <a:latin typeface="+mn-lt"/>
+        <a:ea typeface="+mn-ea"/>
+        <a:cs typeface="+mn-cs"/>
+      </a:defRPr>
+    </a:lvl8pPr>
+    <a:lvl9pPr marL="3657600" algn="l" defTabSz="914400" rtl="0" eaLnBrk="1" latinLnBrk="0" hangingPunct="1">
+      <a:defRPr sz="1200" kern="1200">
+        <a:solidFill>
+          <a:schemeClr val="tx1"/>
+        </a:solidFill>
+        <a:latin typeface="+mn-lt"/>
+        <a:ea typeface="+mn-ea"/>
+        <a:cs typeface="+mn-cs"/>
+      </a:defRPr>
+    </a:lvl9pPr>
+  </p:notesStyle>
+</p:notesMaster>
+</file>
+
+<file path=ppt/notesSlides/notesSlide1.xml><?xml version="1.0" encoding="utf-8"?>
+<p:notes xmlns:a="http://schemas.openxmlformats.org/drawingml/2006/main" xmlns:r="http://schemas.openxmlformats.org/officeDocument/2006/relationships" xmlns:p="http://schemas.openxmlformats.org/presentationml/2006/main">
+  <p:cSld>
+    <p:spTree>
+      <p:nvGrpSpPr>
+        <p:cNvPr id="1" name=""/>
+        <p:cNvGrpSpPr/>
+        <p:nvPr/>
+      </p:nvGrpSpPr>
+      <p:grpSpPr>
+        <a:xfrm>
+          <a:off x="0" y="0"/>
+          <a:ext cx="0" cy="0"/>
+          <a:chOff x="0" y="0"/>
+          <a:chExt cx="0" cy="0"/>
+        </a:xfrm>
+      </p:grpSpPr>
+      <p:sp>
+        <p:nvSpPr>
+          <p:cNvPr id="2" name="Slide Image Placeholder 1"/>
+          <p:cNvSpPr>
+            <a:spLocks noGrp="1" noRot="1" noChangeAspect="1"/>
+          </p:cNvSpPr>
+          <p:nvPr>
+            <p:ph type="sldImg"/>
+          </p:nvPr>
+        </p:nvSpPr>
+        <p:spPr/>
+      </p:sp>
+      <p:sp>
+        <p:nvSpPr>
+          <p:cNvPr id="3" name="Notes Placeholder 2"/>
+          <p:cNvSpPr>
+            <a:spLocks noGrp="1"/>
+          </p:cNvSpPr>
+          <p:nvPr>
+            <p:ph type="body" idx="1"/>
+          </p:nvPr>
+        </p:nvSpPr>
+        <p:spPr/>
+        <p:txBody>
+          <a:bodyPr/>
+          <a:lstStyle/>
+          <a:p>
+            <a:r>
+              <a:rPr lang="en-GB" dirty="0" err="1" smtClean="0"/>
+              <a:t>Sitecore</a:t>
+            </a:r>
+            <a:r>
+              <a:rPr lang="en-GB" dirty="0" smtClean="0"/>
+              <a:t> -&gt;</a:t>
+            </a:r>
+            <a:r>
+              <a:rPr lang="en-GB" baseline="0" dirty="0" smtClean="0"/>
+              <a:t> Settings -&gt; Insert Rules -&gt; SUGDE</a:t>
+            </a:r>
+            <a:endParaRPr lang="en-GB" dirty="0"/>
+          </a:p>
+        </p:txBody>
+      </p:sp>
+      <p:sp>
+        <p:nvSpPr>
+          <p:cNvPr id="4" name="Slide Number Placeholder 3"/>
+          <p:cNvSpPr>
+            <a:spLocks noGrp="1"/>
+          </p:cNvSpPr>
+          <p:nvPr>
+            <p:ph type="sldNum" sz="quarter" idx="10"/>
+          </p:nvPr>
+        </p:nvSpPr>
+        <p:spPr/>
+        <p:txBody>
+          <a:bodyPr/>
+          <a:lstStyle/>
+          <a:p>
+            <a:fld id="{6FE02C74-E09A-4BCB-A5F4-476E0F06F59A}" type="slidenum">
+              <a:rPr lang="en-GB" smtClean="0"/>
+              <a:t>6</a:t>
+            </a:fld>
+            <a:endParaRPr lang="en-GB"/>
+          </a:p>
+        </p:txBody>
+      </p:sp>
+    </p:spTree>
+    <p:extLst>
+      <p:ext uri="{BB962C8B-B14F-4D97-AF65-F5344CB8AC3E}">
+        <p14:creationId xmlns:p14="http://schemas.microsoft.com/office/powerpoint/2010/main" val="1165465512"/>
+      </p:ext>
+    </p:extLst>
+  </p:cSld>
+  <p:clrMapOvr>
+    <a:masterClrMapping/>
+  </p:clrMapOvr>
+</p:notes>
 </file>
 
 <file path=ppt/slideLayouts/slideLayout1.xml><?xml version="1.0" encoding="utf-8"?>
@@ -1931,7 +2398,7 @@
           <a:p>
             <a:fld id="{78C50244-7D0F-44CA-9C3D-5A715B6FEECB}" type="datetimeFigureOut">
               <a:rPr lang="da-DK" smtClean="0"/>
-              <a:t>30-10-2013</a:t>
+              <a:t>17-01-2017</a:t>
             </a:fld>
             <a:endParaRPr lang="da-DK"/>
           </a:p>
@@ -1973,7 +2440,7 @@
           <a:p>
             <a:fld id="{7F61998C-AA8F-4238-B852-B2D767B985D9}" type="slidenum">
               <a:rPr lang="da-DK" smtClean="0"/>
-              <a:t>‹nr.›</a:t>
+              <a:t>‹#›</a:t>
             </a:fld>
             <a:endParaRPr lang="da-DK"/>
           </a:p>
@@ -2112,7 +2579,7 @@
           <a:p>
             <a:fld id="{78C50244-7D0F-44CA-9C3D-5A715B6FEECB}" type="datetimeFigureOut">
               <a:rPr lang="da-DK" smtClean="0"/>
-              <a:t>30-10-2013</a:t>
+              <a:t>17-01-2017</a:t>
             </a:fld>
             <a:endParaRPr lang="da-DK"/>
           </a:p>
@@ -2154,7 +2621,7 @@
           <a:p>
             <a:fld id="{7F61998C-AA8F-4238-B852-B2D767B985D9}" type="slidenum">
               <a:rPr lang="da-DK" smtClean="0"/>
-              <a:t>‹nr.›</a:t>
+              <a:t>‹#›</a:t>
             </a:fld>
             <a:endParaRPr lang="da-DK"/>
           </a:p>
@@ -2263,7 +2730,7 @@
           <a:p>
             <a:fld id="{78C50244-7D0F-44CA-9C3D-5A715B6FEECB}" type="datetimeFigureOut">
               <a:rPr lang="da-DK" smtClean="0"/>
-              <a:t>30-10-2013</a:t>
+              <a:t>17-01-2017</a:t>
             </a:fld>
             <a:endParaRPr lang="da-DK"/>
           </a:p>
@@ -2305,7 +2772,7 @@
           <a:p>
             <a:fld id="{7F61998C-AA8F-4238-B852-B2D767B985D9}" type="slidenum">
               <a:rPr lang="da-DK" smtClean="0"/>
-              <a:t>‹nr.›</a:t>
+              <a:t>‹#›</a:t>
             </a:fld>
             <a:endParaRPr lang="da-DK"/>
           </a:p>
@@ -4089,7 +4556,7 @@
           <a:p>
             <a:fld id="{78C50244-7D0F-44CA-9C3D-5A715B6FEECB}" type="datetimeFigureOut">
               <a:rPr lang="da-DK" smtClean="0"/>
-              <a:t>30-10-2013</a:t>
+              <a:t>17-01-2017</a:t>
             </a:fld>
             <a:endParaRPr lang="da-DK"/>
           </a:p>
@@ -4131,7 +4598,7 @@
           <a:p>
             <a:fld id="{7F61998C-AA8F-4238-B852-B2D767B985D9}" type="slidenum">
               <a:rPr lang="da-DK" smtClean="0"/>
-              <a:t>‹nr.›</a:t>
+              <a:t>‹#›</a:t>
             </a:fld>
             <a:endParaRPr lang="da-DK"/>
           </a:p>
@@ -5959,7 +6426,7 @@
           <a:p>
             <a:fld id="{78C50244-7D0F-44CA-9C3D-5A715B6FEECB}" type="datetimeFigureOut">
               <a:rPr lang="da-DK" smtClean="0"/>
-              <a:t>30-10-2013</a:t>
+              <a:t>17-01-2017</a:t>
             </a:fld>
             <a:endParaRPr lang="da-DK"/>
           </a:p>
@@ -6001,7 +6468,7 @@
           <a:p>
             <a:fld id="{7F61998C-AA8F-4238-B852-B2D767B985D9}" type="slidenum">
               <a:rPr lang="da-DK" smtClean="0"/>
-              <a:t>‹nr.›</a:t>
+              <a:t>‹#›</a:t>
             </a:fld>
             <a:endParaRPr lang="da-DK"/>
           </a:p>
@@ -6072,7 +6539,7 @@
           <a:p>
             <a:fld id="{78C50244-7D0F-44CA-9C3D-5A715B6FEECB}" type="datetimeFigureOut">
               <a:rPr lang="da-DK" smtClean="0"/>
-              <a:t>30-10-2013</a:t>
+              <a:t>17-01-2017</a:t>
             </a:fld>
             <a:endParaRPr lang="da-DK"/>
           </a:p>
@@ -6114,7 +6581,7 @@
           <a:p>
             <a:fld id="{7F61998C-AA8F-4238-B852-B2D767B985D9}" type="slidenum">
               <a:rPr lang="da-DK" smtClean="0"/>
-              <a:t>‹nr.›</a:t>
+              <a:t>‹#›</a:t>
             </a:fld>
             <a:endParaRPr lang="da-DK"/>
           </a:p>
@@ -6613,7 +7080,7 @@
           <a:p>
             <a:fld id="{78C50244-7D0F-44CA-9C3D-5A715B6FEECB}" type="datetimeFigureOut">
               <a:rPr lang="da-DK" smtClean="0"/>
-              <a:t>30-10-2013</a:t>
+              <a:t>17-01-2017</a:t>
             </a:fld>
             <a:endParaRPr lang="da-DK"/>
           </a:p>
@@ -6655,7 +7122,7 @@
           <a:p>
             <a:fld id="{7F61998C-AA8F-4238-B852-B2D767B985D9}" type="slidenum">
               <a:rPr lang="da-DK" smtClean="0"/>
-              <a:t>‹nr.›</a:t>
+              <a:t>‹#›</a:t>
             </a:fld>
             <a:endParaRPr lang="da-DK"/>
           </a:p>
@@ -6726,7 +7193,7 @@
           <a:p>
             <a:fld id="{78C50244-7D0F-44CA-9C3D-5A715B6FEECB}" type="datetimeFigureOut">
               <a:rPr lang="da-DK" smtClean="0"/>
-              <a:t>30-10-2013</a:t>
+              <a:t>17-01-2017</a:t>
             </a:fld>
             <a:endParaRPr lang="da-DK"/>
           </a:p>
@@ -6768,7 +7235,7 @@
           <a:p>
             <a:fld id="{7F61998C-AA8F-4238-B852-B2D767B985D9}" type="slidenum">
               <a:rPr lang="da-DK" smtClean="0"/>
-              <a:t>‹nr.›</a:t>
+              <a:t>‹#›</a:t>
             </a:fld>
             <a:endParaRPr lang="da-DK"/>
           </a:p>
@@ -8437,7 +8904,7 @@
           <a:p>
             <a:fld id="{78C50244-7D0F-44CA-9C3D-5A715B6FEECB}" type="datetimeFigureOut">
               <a:rPr lang="da-DK" smtClean="0"/>
-              <a:t>30-10-2013</a:t>
+              <a:t>17-01-2017</a:t>
             </a:fld>
             <a:endParaRPr lang="da-DK"/>
           </a:p>
@@ -8479,7 +8946,7 @@
           <a:p>
             <a:fld id="{7F61998C-AA8F-4238-B852-B2D767B985D9}" type="slidenum">
               <a:rPr lang="da-DK" smtClean="0"/>
-              <a:t>‹nr.›</a:t>
+              <a:t>‹#›</a:t>
             </a:fld>
             <a:endParaRPr lang="da-DK"/>
           </a:p>
@@ -8588,7 +9055,7 @@
           <a:p>
             <a:fld id="{78C50244-7D0F-44CA-9C3D-5A715B6FEECB}" type="datetimeFigureOut">
               <a:rPr lang="da-DK" smtClean="0"/>
-              <a:t>30-10-2013</a:t>
+              <a:t>17-01-2017</a:t>
             </a:fld>
             <a:endParaRPr lang="da-DK"/>
           </a:p>
@@ -8630,7 +9097,7 @@
           <a:p>
             <a:fld id="{7F61998C-AA8F-4238-B852-B2D767B985D9}" type="slidenum">
               <a:rPr lang="da-DK" smtClean="0"/>
-              <a:t>‹nr.›</a:t>
+              <a:t>‹#›</a:t>
             </a:fld>
             <a:endParaRPr lang="da-DK"/>
           </a:p>
@@ -12203,7 +12670,7 @@
           <a:p>
             <a:fld id="{78C50244-7D0F-44CA-9C3D-5A715B6FEECB}" type="datetimeFigureOut">
               <a:rPr lang="da-DK" smtClean="0"/>
-              <a:t>30-10-2013</a:t>
+              <a:t>17-01-2017</a:t>
             </a:fld>
             <a:endParaRPr lang="da-DK"/>
           </a:p>
@@ -12245,7 +12712,7 @@
           <a:p>
             <a:fld id="{7F61998C-AA8F-4238-B852-B2D767B985D9}" type="slidenum">
               <a:rPr lang="da-DK" smtClean="0"/>
-              <a:t>‹nr.›</a:t>
+              <a:t>‹#›</a:t>
             </a:fld>
             <a:endParaRPr lang="da-DK"/>
           </a:p>
@@ -14062,7 +14529,7 @@
           <a:p>
             <a:fld id="{78C50244-7D0F-44CA-9C3D-5A715B6FEECB}" type="datetimeFigureOut">
               <a:rPr lang="da-DK" smtClean="0"/>
-              <a:t>30-10-2013</a:t>
+              <a:t>17-01-2017</a:t>
             </a:fld>
             <a:endParaRPr lang="da-DK"/>
           </a:p>
@@ -14136,7 +14603,7 @@
           <a:p>
             <a:fld id="{7F61998C-AA8F-4238-B852-B2D767B985D9}" type="slidenum">
               <a:rPr lang="da-DK" smtClean="0"/>
-              <a:t>‹nr.›</a:t>
+              <a:t>‹#›</a:t>
             </a:fld>
             <a:endParaRPr lang="da-DK"/>
           </a:p>
@@ -14578,14 +15045,43 @@
           <a:chExt cx="0" cy="0"/>
         </a:xfrm>
       </p:grpSpPr>
+      <p:pic>
+        <p:nvPicPr>
+          <p:cNvPr id="4" name="Content Placeholder 3"/>
+          <p:cNvPicPr>
+            <a:picLocks noGrp="1" noChangeAspect="1"/>
+          </p:cNvPicPr>
+          <p:nvPr>
+            <p:ph idx="1"/>
+          </p:nvPr>
+        </p:nvPicPr>
+        <p:blipFill>
+          <a:blip r:embed="rId2">
+            <a:extLst>
+              <a:ext uri="{28A0092B-C50C-407E-A947-70E740481C1C}">
+                <a14:useLocalDpi xmlns:a14="http://schemas.microsoft.com/office/drawing/2010/main" val="0"/>
+              </a:ext>
+            </a:extLst>
+          </a:blip>
+          <a:stretch>
+            <a:fillRect/>
+          </a:stretch>
+        </p:blipFill>
+        <p:spPr>
+          <a:xfrm>
+            <a:off x="2850356" y="2674938"/>
+            <a:ext cx="3451225" cy="3451225"/>
+          </a:xfrm>
+        </p:spPr>
+      </p:pic>
       <p:sp>
         <p:nvSpPr>
-          <p:cNvPr id="2" name="Titel 1"/>
+          <p:cNvPr id="3" name="Title 2"/>
           <p:cNvSpPr>
             <a:spLocks noGrp="1"/>
           </p:cNvSpPr>
           <p:nvPr>
-            <p:ph type="ctrTitle"/>
+            <p:ph type="title"/>
           </p:nvPr>
         </p:nvSpPr>
         <p:spPr/>
@@ -14594,100 +15090,34 @@
           <a:lstStyle/>
           <a:p>
             <a:r>
-              <a:rPr lang="en-US" dirty="0" smtClean="0"/>
-              <a:t>Rule your solutions</a:t>
-            </a:r>
-            <a:br>
-              <a:rPr lang="en-US" dirty="0" smtClean="0"/>
-            </a:br>
-            <a:r>
-              <a:rPr lang="en-US" dirty="0" smtClean="0"/>
-              <a:t>with the </a:t>
-            </a:r>
-            <a:r>
-              <a:rPr lang="en-US" dirty="0" err="1" smtClean="0"/>
-              <a:t>Sitecore</a:t>
-            </a:r>
-            <a:r>
-              <a:rPr lang="en-US" dirty="0" smtClean="0"/>
-              <a:t> Rules Engine</a:t>
-            </a:r>
-            <a:endParaRPr lang="da-DK" dirty="0"/>
-          </a:p>
-        </p:txBody>
-      </p:sp>
-      <p:sp>
-        <p:nvSpPr>
-          <p:cNvPr id="3" name="Undertitel 2"/>
-          <p:cNvSpPr>
-            <a:spLocks noGrp="1"/>
-          </p:cNvSpPr>
-          <p:nvPr>
-            <p:ph type="subTitle" idx="1"/>
-          </p:nvPr>
-        </p:nvSpPr>
-        <p:spPr/>
-        <p:txBody>
-          <a:bodyPr/>
-          <a:lstStyle/>
-          <a:p>
-            <a:r>
-              <a:rPr lang="en-US" dirty="0" smtClean="0"/>
-              <a:t>Mark Cassidy, </a:t>
-            </a:r>
-            <a:r>
-              <a:rPr lang="en-US" dirty="0" err="1" smtClean="0"/>
-              <a:t>CorePoint</a:t>
-            </a:r>
-            <a:r>
-              <a:rPr lang="en-US" dirty="0" smtClean="0"/>
-              <a:t> IT Ltd</a:t>
-            </a:r>
-          </a:p>
-          <a:p>
-            <a:r>
-              <a:rPr lang="en-US" dirty="0" err="1" smtClean="0"/>
-              <a:t>Sitecore</a:t>
-            </a:r>
-            <a:r>
-              <a:rPr lang="en-US" dirty="0" smtClean="0"/>
-              <a:t> Consultant / Architect</a:t>
-            </a:r>
-          </a:p>
-          <a:p>
-            <a:r>
-              <a:rPr lang="en-US" dirty="0" smtClean="0">
-                <a:hlinkClick r:id="rId2"/>
-              </a:rPr>
-              <a:t>markc@corepoint-it.dk</a:t>
-            </a:r>
-            <a:r>
-              <a:rPr lang="en-US" dirty="0" smtClean="0"/>
-              <a:t> or </a:t>
-            </a:r>
-            <a:r>
-              <a:rPr lang="en-US" dirty="0" smtClean="0">
-                <a:hlinkClick r:id="rId3"/>
-              </a:rPr>
-              <a:t>markc@corepoint-it.net</a:t>
-            </a:r>
-            <a:endParaRPr lang="en-US" dirty="0" smtClean="0"/>
-          </a:p>
-          <a:p>
-            <a:endParaRPr lang="da-DK" dirty="0"/>
+              <a:rPr lang="en-GB" dirty="0" smtClean="0"/>
+              <a:t>SUGDE M</a:t>
+            </a:r>
+            <a:r>
+              <a:rPr lang="da-DK" dirty="0" smtClean="0"/>
+              <a:t>ünchen, 18 Jan 2017</a:t>
+            </a:r>
+            <a:endParaRPr lang="en-GB" dirty="0"/>
           </a:p>
         </p:txBody>
       </p:sp>
     </p:spTree>
     <p:extLst>
       <p:ext uri="{BB962C8B-B14F-4D97-AF65-F5344CB8AC3E}">
-        <p14:creationId xmlns:p14="http://schemas.microsoft.com/office/powerpoint/2010/main" val="4224703502"/>
+        <p14:creationId xmlns:p14="http://schemas.microsoft.com/office/powerpoint/2010/main" val="206317908"/>
       </p:ext>
     </p:extLst>
   </p:cSld>
   <p:clrMapOvr>
     <a:masterClrMapping/>
   </p:clrMapOvr>
+  <p:timing>
+    <p:tnLst>
+      <p:par>
+        <p:cTn id="1" dur="indefinite" restart="never" nodeType="tmRoot"/>
+      </p:par>
+    </p:tnLst>
+  </p:timing>
 </p:sld>
 </file>
 
@@ -14725,11 +15155,29 @@
           <a:p>
             <a:r>
               <a:rPr lang="en-US" dirty="0" smtClean="0"/>
-              <a:t>Still based on the </a:t>
+              <a:t>Replicating the hard wired logic from our Insert Rule in a simple </a:t>
             </a:r>
             <a:r>
               <a:rPr lang="en-US" dirty="0" err="1" smtClean="0"/>
-              <a:t>IntegerOperatorCondition</a:t>
+              <a:t>Sitecore</a:t>
+            </a:r>
+            <a:r>
+              <a:rPr lang="en-US" dirty="0" smtClean="0"/>
+              <a:t> Rules Engine Rule</a:t>
+            </a:r>
+          </a:p>
+          <a:p>
+            <a:r>
+              <a:rPr lang="en-US" dirty="0" err="1" smtClean="0"/>
+              <a:t>MaxFoldersAllowed</a:t>
+            </a:r>
+            <a:r>
+              <a:rPr lang="en-US" dirty="0" smtClean="0"/>
+              <a:t> as a </a:t>
+            </a:r>
+            <a:r>
+              <a:rPr lang="en-US" dirty="0" err="1" smtClean="0"/>
+              <a:t>WhenCondition</a:t>
             </a:r>
             <a:r>
               <a:rPr lang="en-US" dirty="0" smtClean="0"/>
@@ -14737,28 +15185,6 @@
             </a:r>
           </a:p>
           <a:p>
-            <a:r>
-              <a:rPr lang="en-US" dirty="0" smtClean="0"/>
-              <a:t>Add an extra public property to allow the </a:t>
-            </a:r>
-            <a:r>
-              <a:rPr lang="en-US" dirty="0" err="1" smtClean="0"/>
-              <a:t>TemplateId</a:t>
-            </a:r>
-            <a:r>
-              <a:rPr lang="en-US" dirty="0" smtClean="0"/>
-              <a:t> to be defined from the Rule configuration</a:t>
-            </a:r>
-          </a:p>
-          <a:p>
-            <a:r>
-              <a:rPr lang="en-US" dirty="0" err="1" smtClean="0"/>
-              <a:t>Sitecore</a:t>
-            </a:r>
-            <a:r>
-              <a:rPr lang="en-US" dirty="0" smtClean="0"/>
-              <a:t> “magic” wires it all up</a:t>
-            </a:r>
             <a:endParaRPr lang="da-DK" dirty="0"/>
           </a:p>
         </p:txBody>
@@ -14782,7 +15208,7 @@
           <a:p>
             <a:r>
               <a:rPr lang="en-US" dirty="0" smtClean="0"/>
-              <a:t>Completing the Insert Option Rule, making the template configurable</a:t>
+              <a:t>Insert Options Condition Demonstration</a:t>
             </a:r>
             <a:endParaRPr lang="da-DK" dirty="0"/>
           </a:p>
@@ -14791,7 +15217,7 @@
     </p:spTree>
     <p:extLst>
       <p:ext uri="{BB962C8B-B14F-4D97-AF65-F5344CB8AC3E}">
-        <p14:creationId xmlns:p14="http://schemas.microsoft.com/office/powerpoint/2010/main" val="4178666273"/>
+        <p14:creationId xmlns:p14="http://schemas.microsoft.com/office/powerpoint/2010/main" val="842079178"/>
       </p:ext>
     </p:extLst>
   </p:cSld>
@@ -14835,32 +15261,23 @@
           <a:p>
             <a:r>
               <a:rPr lang="en-US" dirty="0" smtClean="0"/>
-              <a:t>Content Editor Warnings</a:t>
+              <a:t>Make it configurable, how many Folder items are allowed</a:t>
             </a:r>
           </a:p>
           <a:p>
             <a:r>
               <a:rPr lang="en-US" dirty="0" smtClean="0"/>
-              <a:t>Indexing</a:t>
-            </a:r>
-          </a:p>
-          <a:p>
+              <a:t>Based on the </a:t>
+            </a:r>
+            <a:r>
+              <a:rPr lang="en-US" dirty="0" err="1" smtClean="0"/>
+              <a:t>IntegerOperatorCondition</a:t>
+            </a:r>
             <a:r>
               <a:rPr lang="en-US" dirty="0" smtClean="0"/>
-              <a:t>Conditional Renderings</a:t>
-            </a:r>
-          </a:p>
-          <a:p>
-            <a:r>
-              <a:rPr lang="en-US" dirty="0" smtClean="0"/>
-              <a:t>Item Events</a:t>
-            </a:r>
-          </a:p>
-          <a:p>
-            <a:r>
-              <a:rPr lang="en-US" dirty="0" smtClean="0"/>
-              <a:t>Campaigns</a:t>
-            </a:r>
+              <a:t>&lt;T&gt;</a:t>
+            </a:r>
+            <a:endParaRPr lang="da-DK" dirty="0"/>
           </a:p>
         </p:txBody>
       </p:sp>
@@ -14882,12 +15299,8 @@
           <a:lstStyle/>
           <a:p>
             <a:r>
-              <a:rPr lang="en-US" dirty="0" err="1" smtClean="0"/>
-              <a:t>Sitecore</a:t>
-            </a:r>
-            <a:r>
               <a:rPr lang="en-US" dirty="0" smtClean="0"/>
-              <a:t> Rules Engine is already set up in many areas of your solution</a:t>
+              <a:t>Expanding Our Insert Option Condition Demonstration</a:t>
             </a:r>
             <a:endParaRPr lang="da-DK" dirty="0"/>
           </a:p>
@@ -14896,7 +15309,7 @@
     </p:spTree>
     <p:extLst>
       <p:ext uri="{BB962C8B-B14F-4D97-AF65-F5344CB8AC3E}">
-        <p14:creationId xmlns:p14="http://schemas.microsoft.com/office/powerpoint/2010/main" val="328277759"/>
+        <p14:creationId xmlns:p14="http://schemas.microsoft.com/office/powerpoint/2010/main" val="2029430713"/>
       </p:ext>
     </p:extLst>
   </p:cSld>
@@ -14940,59 +15353,39 @@
           <a:p>
             <a:r>
               <a:rPr lang="en-US" dirty="0" smtClean="0"/>
-              <a:t>What is the </a:t>
+              <a:t>Still based on the </a:t>
             </a:r>
             <a:r>
               <a:rPr lang="en-US" dirty="0" err="1" smtClean="0"/>
-              <a:t>RuleContext</a:t>
+              <a:t>IntegerOperatorCondition</a:t>
             </a:r>
             <a:r>
               <a:rPr lang="en-US" dirty="0" smtClean="0"/>
-              <a:t>?</a:t>
-            </a:r>
-          </a:p>
-          <a:p>
-            <a:pPr lvl="1"/>
+              <a:t>&lt;T&gt;</a:t>
+            </a:r>
+          </a:p>
+          <a:p>
             <a:r>
               <a:rPr lang="en-US" dirty="0" smtClean="0"/>
-              <a:t>Close analogy to the </a:t>
+              <a:t>Add an extra public property to allow the </a:t>
             </a:r>
             <a:r>
               <a:rPr lang="en-US" dirty="0" err="1" smtClean="0"/>
-              <a:t>PipelineArgs</a:t>
+              <a:t>TemplateId</a:t>
             </a:r>
             <a:r>
               <a:rPr lang="en-US" dirty="0" smtClean="0"/>
-              <a:t> in a </a:t>
-            </a:r>
+              <a:t> to be defined from the Rule configuration</a:t>
+            </a:r>
+          </a:p>
+          <a:p>
             <a:r>
               <a:rPr lang="en-US" dirty="0" err="1" smtClean="0"/>
               <a:t>Sitecore</a:t>
             </a:r>
             <a:r>
               <a:rPr lang="en-US" dirty="0" smtClean="0"/>
-              <a:t> Pipeline Processor</a:t>
-            </a:r>
-          </a:p>
-          <a:p>
-            <a:pPr lvl="1"/>
-            <a:r>
-              <a:rPr lang="en-US" dirty="0" smtClean="0"/>
-              <a:t>Holds state through execution of all the rules in your Rule field</a:t>
-            </a:r>
-          </a:p>
-          <a:p>
-            <a:r>
-              <a:rPr lang="en-US" dirty="0" smtClean="0"/>
-              <a:t>How wire up your own code to use the </a:t>
-            </a:r>
-            <a:r>
-              <a:rPr lang="en-US" dirty="0" err="1" smtClean="0"/>
-              <a:t>Sitecore</a:t>
-            </a:r>
-            <a:r>
-              <a:rPr lang="en-US" dirty="0" smtClean="0"/>
-              <a:t> Rules Engine</a:t>
+              <a:t> “magic” wires it all up</a:t>
             </a:r>
             <a:endParaRPr lang="da-DK" dirty="0"/>
           </a:p>
@@ -15011,17 +15404,13 @@
         <p:spPr/>
         <p:txBody>
           <a:bodyPr>
-            <a:normAutofit/>
+            <a:normAutofit fontScale="90000"/>
           </a:bodyPr>
           <a:lstStyle/>
           <a:p>
             <a:r>
               <a:rPr lang="en-US" dirty="0" smtClean="0"/>
-              <a:t>The </a:t>
-            </a:r>
-            <a:r>
-              <a:rPr lang="en-US" dirty="0" err="1" smtClean="0"/>
-              <a:t>RuleContext</a:t>
+              <a:t>Completing the Insert Option Rule, making the template configurable</a:t>
             </a:r>
             <a:endParaRPr lang="da-DK" dirty="0"/>
           </a:p>
@@ -15030,7 +15419,7 @@
     </p:spTree>
     <p:extLst>
       <p:ext uri="{BB962C8B-B14F-4D97-AF65-F5344CB8AC3E}">
-        <p14:creationId xmlns:p14="http://schemas.microsoft.com/office/powerpoint/2010/main" val="3675494356"/>
+        <p14:creationId xmlns:p14="http://schemas.microsoft.com/office/powerpoint/2010/main" val="4178666273"/>
       </p:ext>
     </p:extLst>
   </p:cSld>
@@ -15072,6 +15461,245 @@
           <a:bodyPr/>
           <a:lstStyle/>
           <a:p>
+            <a:r>
+              <a:rPr lang="en-US" dirty="0" smtClean="0"/>
+              <a:t>Content Editor Warnings</a:t>
+            </a:r>
+          </a:p>
+          <a:p>
+            <a:r>
+              <a:rPr lang="en-US" dirty="0" smtClean="0"/>
+              <a:t>Indexing</a:t>
+            </a:r>
+          </a:p>
+          <a:p>
+            <a:r>
+              <a:rPr lang="en-US" dirty="0" smtClean="0"/>
+              <a:t>Conditional Renderings</a:t>
+            </a:r>
+          </a:p>
+          <a:p>
+            <a:r>
+              <a:rPr lang="en-US" dirty="0" smtClean="0"/>
+              <a:t>Item Events</a:t>
+            </a:r>
+          </a:p>
+          <a:p>
+            <a:r>
+              <a:rPr lang="en-US" dirty="0" smtClean="0"/>
+              <a:t>Campaigns</a:t>
+            </a:r>
+          </a:p>
+        </p:txBody>
+      </p:sp>
+      <p:sp>
+        <p:nvSpPr>
+          <p:cNvPr id="3" name="Titel 2"/>
+          <p:cNvSpPr>
+            <a:spLocks noGrp="1"/>
+          </p:cNvSpPr>
+          <p:nvPr>
+            <p:ph type="title"/>
+          </p:nvPr>
+        </p:nvSpPr>
+        <p:spPr/>
+        <p:txBody>
+          <a:bodyPr>
+            <a:normAutofit fontScale="90000"/>
+          </a:bodyPr>
+          <a:lstStyle/>
+          <a:p>
+            <a:r>
+              <a:rPr lang="en-US" dirty="0" err="1" smtClean="0"/>
+              <a:t>Sitecore</a:t>
+            </a:r>
+            <a:r>
+              <a:rPr lang="en-US" dirty="0" smtClean="0"/>
+              <a:t> Rules Engine is already set up in many areas of your solution</a:t>
+            </a:r>
+            <a:endParaRPr lang="da-DK" dirty="0"/>
+          </a:p>
+        </p:txBody>
+      </p:sp>
+    </p:spTree>
+    <p:extLst>
+      <p:ext uri="{BB962C8B-B14F-4D97-AF65-F5344CB8AC3E}">
+        <p14:creationId xmlns:p14="http://schemas.microsoft.com/office/powerpoint/2010/main" val="328277759"/>
+      </p:ext>
+    </p:extLst>
+  </p:cSld>
+  <p:clrMapOvr>
+    <a:masterClrMapping/>
+  </p:clrMapOvr>
+</p:sld>
+</file>
+
+<file path=ppt/slides/slide14.xml><?xml version="1.0" encoding="utf-8"?>
+<p:sld xmlns:a="http://schemas.openxmlformats.org/drawingml/2006/main" xmlns:r="http://schemas.openxmlformats.org/officeDocument/2006/relationships" xmlns:p="http://schemas.openxmlformats.org/presentationml/2006/main">
+  <p:cSld>
+    <p:spTree>
+      <p:nvGrpSpPr>
+        <p:cNvPr id="1" name=""/>
+        <p:cNvGrpSpPr/>
+        <p:nvPr/>
+      </p:nvGrpSpPr>
+      <p:grpSpPr>
+        <a:xfrm>
+          <a:off x="0" y="0"/>
+          <a:ext cx="0" cy="0"/>
+          <a:chOff x="0" y="0"/>
+          <a:chExt cx="0" cy="0"/>
+        </a:xfrm>
+      </p:grpSpPr>
+      <p:sp>
+        <p:nvSpPr>
+          <p:cNvPr id="2" name="Pladsholder til indhold 1"/>
+          <p:cNvSpPr>
+            <a:spLocks noGrp="1"/>
+          </p:cNvSpPr>
+          <p:nvPr>
+            <p:ph idx="1"/>
+          </p:nvPr>
+        </p:nvSpPr>
+        <p:spPr/>
+        <p:txBody>
+          <a:bodyPr/>
+          <a:lstStyle/>
+          <a:p>
+            <a:r>
+              <a:rPr lang="en-US" dirty="0" smtClean="0"/>
+              <a:t>What is the </a:t>
+            </a:r>
+            <a:r>
+              <a:rPr lang="en-US" dirty="0" err="1" smtClean="0"/>
+              <a:t>RuleContext</a:t>
+            </a:r>
+            <a:r>
+              <a:rPr lang="en-US" dirty="0" smtClean="0"/>
+              <a:t>?</a:t>
+            </a:r>
+          </a:p>
+          <a:p>
+            <a:pPr lvl="1"/>
+            <a:r>
+              <a:rPr lang="en-US" dirty="0" smtClean="0"/>
+              <a:t>Close analogy to the </a:t>
+            </a:r>
+            <a:r>
+              <a:rPr lang="en-US" dirty="0" err="1" smtClean="0"/>
+              <a:t>PipelineArgs</a:t>
+            </a:r>
+            <a:r>
+              <a:rPr lang="en-US" dirty="0" smtClean="0"/>
+              <a:t> in a </a:t>
+            </a:r>
+            <a:r>
+              <a:rPr lang="en-US" dirty="0" err="1" smtClean="0"/>
+              <a:t>Sitecore</a:t>
+            </a:r>
+            <a:r>
+              <a:rPr lang="en-US" dirty="0" smtClean="0"/>
+              <a:t> Pipeline Processor</a:t>
+            </a:r>
+          </a:p>
+          <a:p>
+            <a:pPr lvl="1"/>
+            <a:r>
+              <a:rPr lang="en-US" dirty="0" smtClean="0"/>
+              <a:t>Holds state through execution of all the rules in your Rule field</a:t>
+            </a:r>
+          </a:p>
+          <a:p>
+            <a:r>
+              <a:rPr lang="en-US" dirty="0" smtClean="0"/>
+              <a:t>How wire up your own code to use the </a:t>
+            </a:r>
+            <a:r>
+              <a:rPr lang="en-US" dirty="0" err="1" smtClean="0"/>
+              <a:t>Sitecore</a:t>
+            </a:r>
+            <a:r>
+              <a:rPr lang="en-US" dirty="0" smtClean="0"/>
+              <a:t> Rules Engine</a:t>
+            </a:r>
+            <a:endParaRPr lang="da-DK" dirty="0"/>
+          </a:p>
+        </p:txBody>
+      </p:sp>
+      <p:sp>
+        <p:nvSpPr>
+          <p:cNvPr id="3" name="Titel 2"/>
+          <p:cNvSpPr>
+            <a:spLocks noGrp="1"/>
+          </p:cNvSpPr>
+          <p:nvPr>
+            <p:ph type="title"/>
+          </p:nvPr>
+        </p:nvSpPr>
+        <p:spPr/>
+        <p:txBody>
+          <a:bodyPr>
+            <a:normAutofit/>
+          </a:bodyPr>
+          <a:lstStyle/>
+          <a:p>
+            <a:r>
+              <a:rPr lang="en-US" dirty="0" smtClean="0"/>
+              <a:t>The </a:t>
+            </a:r>
+            <a:r>
+              <a:rPr lang="en-US" dirty="0" err="1" smtClean="0"/>
+              <a:t>RuleContext</a:t>
+            </a:r>
+            <a:endParaRPr lang="da-DK" dirty="0"/>
+          </a:p>
+        </p:txBody>
+      </p:sp>
+    </p:spTree>
+    <p:extLst>
+      <p:ext uri="{BB962C8B-B14F-4D97-AF65-F5344CB8AC3E}">
+        <p14:creationId xmlns:p14="http://schemas.microsoft.com/office/powerpoint/2010/main" val="3675494356"/>
+      </p:ext>
+    </p:extLst>
+  </p:cSld>
+  <p:clrMapOvr>
+    <a:masterClrMapping/>
+  </p:clrMapOvr>
+</p:sld>
+</file>
+
+<file path=ppt/slides/slide15.xml><?xml version="1.0" encoding="utf-8"?>
+<p:sld xmlns:a="http://schemas.openxmlformats.org/drawingml/2006/main" xmlns:r="http://schemas.openxmlformats.org/officeDocument/2006/relationships" xmlns:p="http://schemas.openxmlformats.org/presentationml/2006/main">
+  <p:cSld>
+    <p:spTree>
+      <p:nvGrpSpPr>
+        <p:cNvPr id="1" name=""/>
+        <p:cNvGrpSpPr/>
+        <p:nvPr/>
+      </p:nvGrpSpPr>
+      <p:grpSpPr>
+        <a:xfrm>
+          <a:off x="0" y="0"/>
+          <a:ext cx="0" cy="0"/>
+          <a:chOff x="0" y="0"/>
+          <a:chExt cx="0" cy="0"/>
+        </a:xfrm>
+      </p:grpSpPr>
+      <p:sp>
+        <p:nvSpPr>
+          <p:cNvPr id="2" name="Pladsholder til indhold 1"/>
+          <p:cNvSpPr>
+            <a:spLocks noGrp="1"/>
+          </p:cNvSpPr>
+          <p:nvPr>
+            <p:ph idx="1"/>
+          </p:nvPr>
+        </p:nvSpPr>
+        <p:spPr/>
+        <p:txBody>
+          <a:bodyPr/>
+          <a:lstStyle/>
+          <a:p>
             <a:endParaRPr lang="da-DK"/>
           </a:p>
         </p:txBody>
@@ -15131,6 +15759,294 @@
       </p:grpSpPr>
       <p:sp>
         <p:nvSpPr>
+          <p:cNvPr id="2" name="Content Placeholder 1"/>
+          <p:cNvSpPr>
+            <a:spLocks noGrp="1"/>
+          </p:cNvSpPr>
+          <p:nvPr>
+            <p:ph idx="1"/>
+          </p:nvPr>
+        </p:nvSpPr>
+        <p:spPr/>
+        <p:txBody>
+          <a:bodyPr/>
+          <a:lstStyle/>
+          <a:p>
+            <a:r>
+              <a:rPr lang="en-GB" dirty="0" smtClean="0"/>
+              <a:t>Started working with </a:t>
+            </a:r>
+            <a:r>
+              <a:rPr lang="en-GB" dirty="0" err="1" smtClean="0"/>
+              <a:t>Sitecore</a:t>
+            </a:r>
+            <a:r>
+              <a:rPr lang="en-GB" dirty="0" smtClean="0"/>
+              <a:t> in 2005</a:t>
+            </a:r>
+          </a:p>
+          <a:p>
+            <a:r>
+              <a:rPr lang="en-GB" dirty="0" smtClean="0"/>
+              <a:t>Certified on 5.1.1.12 on October 12, 2005</a:t>
+            </a:r>
+          </a:p>
+          <a:p>
+            <a:r>
+              <a:rPr lang="en-GB" dirty="0" smtClean="0"/>
+              <a:t>Started blogging January 2006</a:t>
+            </a:r>
+          </a:p>
+          <a:p>
+            <a:pPr lvl="1"/>
+            <a:r>
+              <a:rPr lang="en-GB" dirty="0" smtClean="0"/>
+              <a:t>About breaking </a:t>
+            </a:r>
+            <a:r>
+              <a:rPr lang="en-GB" dirty="0" err="1" smtClean="0"/>
+              <a:t>IDTable</a:t>
+            </a:r>
+            <a:r>
+              <a:rPr lang="en-GB" dirty="0" smtClean="0"/>
+              <a:t> changes, of all things ;-)</a:t>
+            </a:r>
+          </a:p>
+          <a:p>
+            <a:r>
+              <a:rPr lang="en-GB" dirty="0" smtClean="0"/>
+              <a:t>MVP in 2009 and 2014 and…</a:t>
+            </a:r>
+          </a:p>
+          <a:p>
+            <a:r>
+              <a:rPr lang="en-GB" dirty="0" smtClean="0"/>
+              <a:t>Worked in Denmark, UK, Germany, Switzerland, USA, Spain, The Netherlands, Belgium</a:t>
+            </a:r>
+          </a:p>
+          <a:p>
+            <a:r>
+              <a:rPr lang="en-GB" dirty="0" smtClean="0"/>
+              <a:t>~22.000 </a:t>
+            </a:r>
+            <a:r>
+              <a:rPr lang="en-GB" dirty="0" err="1" smtClean="0"/>
+              <a:t>Sitecore</a:t>
+            </a:r>
+            <a:r>
+              <a:rPr lang="en-GB" dirty="0" smtClean="0"/>
+              <a:t> hours billed (e/o 2016)</a:t>
+            </a:r>
+          </a:p>
+          <a:p>
+            <a:endParaRPr lang="en-GB" dirty="0"/>
+          </a:p>
+        </p:txBody>
+      </p:sp>
+      <p:sp>
+        <p:nvSpPr>
+          <p:cNvPr id="3" name="Title 2"/>
+          <p:cNvSpPr>
+            <a:spLocks noGrp="1"/>
+          </p:cNvSpPr>
+          <p:nvPr>
+            <p:ph type="title"/>
+          </p:nvPr>
+        </p:nvSpPr>
+        <p:spPr/>
+        <p:txBody>
+          <a:bodyPr/>
+          <a:lstStyle/>
+          <a:p>
+            <a:r>
+              <a:rPr lang="en-GB" dirty="0" smtClean="0"/>
+              <a:t>About me</a:t>
+            </a:r>
+            <a:endParaRPr lang="en-GB" dirty="0"/>
+          </a:p>
+        </p:txBody>
+      </p:sp>
+    </p:spTree>
+    <p:extLst>
+      <p:ext uri="{BB962C8B-B14F-4D97-AF65-F5344CB8AC3E}">
+        <p14:creationId xmlns:p14="http://schemas.microsoft.com/office/powerpoint/2010/main" val="2359040887"/>
+      </p:ext>
+    </p:extLst>
+  </p:cSld>
+  <p:clrMapOvr>
+    <a:masterClrMapping/>
+  </p:clrMapOvr>
+  <p:timing>
+    <p:tnLst>
+      <p:par>
+        <p:cTn id="1" dur="indefinite" restart="never" nodeType="tmRoot"/>
+      </p:par>
+    </p:tnLst>
+  </p:timing>
+</p:sld>
+</file>
+
+<file path=ppt/slides/slide3.xml><?xml version="1.0" encoding="utf-8"?>
+<p:sld xmlns:a="http://schemas.openxmlformats.org/drawingml/2006/main" xmlns:r="http://schemas.openxmlformats.org/officeDocument/2006/relationships" xmlns:p="http://schemas.openxmlformats.org/presentationml/2006/main">
+  <p:cSld>
+    <p:spTree>
+      <p:nvGrpSpPr>
+        <p:cNvPr id="1" name=""/>
+        <p:cNvGrpSpPr/>
+        <p:nvPr/>
+      </p:nvGrpSpPr>
+      <p:grpSpPr>
+        <a:xfrm>
+          <a:off x="0" y="0"/>
+          <a:ext cx="0" cy="0"/>
+          <a:chOff x="0" y="0"/>
+          <a:chExt cx="0" cy="0"/>
+        </a:xfrm>
+      </p:grpSpPr>
+      <p:sp>
+        <p:nvSpPr>
+          <p:cNvPr id="2" name="Titel 1"/>
+          <p:cNvSpPr>
+            <a:spLocks noGrp="1"/>
+          </p:cNvSpPr>
+          <p:nvPr>
+            <p:ph type="ctrTitle"/>
+          </p:nvPr>
+        </p:nvSpPr>
+        <p:spPr/>
+        <p:txBody>
+          <a:bodyPr>
+            <a:normAutofit/>
+          </a:bodyPr>
+          <a:lstStyle/>
+          <a:p>
+            <a:r>
+              <a:rPr lang="en-US" dirty="0" smtClean="0"/>
+              <a:t>Rule your solutions</a:t>
+            </a:r>
+            <a:br>
+              <a:rPr lang="en-US" dirty="0" smtClean="0"/>
+            </a:br>
+            <a:r>
+              <a:rPr lang="en-US" dirty="0" smtClean="0"/>
+              <a:t>with the </a:t>
+            </a:r>
+            <a:r>
+              <a:rPr lang="en-US" dirty="0" err="1" smtClean="0"/>
+              <a:t>Sitecore</a:t>
+            </a:r>
+            <a:r>
+              <a:rPr lang="en-US" dirty="0" smtClean="0"/>
+              <a:t> Rules </a:t>
+            </a:r>
+            <a:r>
+              <a:rPr lang="en-US" dirty="0" smtClean="0"/>
+              <a:t>Engine</a:t>
+            </a:r>
+            <a:endParaRPr lang="da-DK" dirty="0"/>
+          </a:p>
+        </p:txBody>
+      </p:sp>
+      <p:sp>
+        <p:nvSpPr>
+          <p:cNvPr id="3" name="Undertitel 2"/>
+          <p:cNvSpPr>
+            <a:spLocks noGrp="1"/>
+          </p:cNvSpPr>
+          <p:nvPr>
+            <p:ph type="subTitle" idx="1"/>
+          </p:nvPr>
+        </p:nvSpPr>
+        <p:spPr/>
+        <p:txBody>
+          <a:bodyPr/>
+          <a:lstStyle/>
+          <a:p>
+            <a:r>
+              <a:rPr lang="en-US" dirty="0" smtClean="0"/>
+              <a:t>Mark Cassidy, </a:t>
+            </a:r>
+            <a:r>
+              <a:rPr lang="en-US" dirty="0" smtClean="0"/>
+              <a:t>Cassidy Consult</a:t>
+            </a:r>
+            <a:endParaRPr lang="en-US" dirty="0" smtClean="0"/>
+          </a:p>
+          <a:p>
+            <a:r>
+              <a:rPr lang="en-US" dirty="0" smtClean="0"/>
+              <a:t>International </a:t>
+            </a:r>
+            <a:r>
+              <a:rPr lang="en-US" dirty="0" err="1" smtClean="0"/>
+              <a:t>Sitecore</a:t>
+            </a:r>
+            <a:r>
+              <a:rPr lang="en-US" dirty="0" smtClean="0"/>
+              <a:t> </a:t>
+            </a:r>
+            <a:r>
+              <a:rPr lang="en-US" dirty="0" smtClean="0"/>
+              <a:t>Consultant / Architect</a:t>
+            </a:r>
+          </a:p>
+          <a:p>
+            <a:r>
+              <a:rPr lang="en-US" dirty="0" smtClean="0">
+                <a:hlinkClick r:id="rId2"/>
+              </a:rPr>
+              <a:t>mark@cassidy.dk</a:t>
+            </a:r>
+            <a:r>
+              <a:rPr lang="en-US" dirty="0" smtClean="0"/>
+              <a:t> – http://cassidy-consult.com</a:t>
+            </a:r>
+            <a:endParaRPr lang="en-US" dirty="0" smtClean="0"/>
+          </a:p>
+          <a:p>
+            <a:endParaRPr lang="da-DK" dirty="0"/>
+          </a:p>
+        </p:txBody>
+      </p:sp>
+    </p:spTree>
+    <p:extLst>
+      <p:ext uri="{BB962C8B-B14F-4D97-AF65-F5344CB8AC3E}">
+        <p14:creationId xmlns:p14="http://schemas.microsoft.com/office/powerpoint/2010/main" val="3895728893"/>
+      </p:ext>
+    </p:extLst>
+  </p:cSld>
+  <p:clrMapOvr>
+    <a:masterClrMapping/>
+  </p:clrMapOvr>
+  <p:timing>
+    <p:tnLst>
+      <p:par>
+        <p:cTn id="1" dur="indefinite" restart="never" nodeType="tmRoot"/>
+      </p:par>
+    </p:tnLst>
+  </p:timing>
+</p:sld>
+</file>
+
+<file path=ppt/slides/slide4.xml><?xml version="1.0" encoding="utf-8"?>
+<p:sld xmlns:a="http://schemas.openxmlformats.org/drawingml/2006/main" xmlns:r="http://schemas.openxmlformats.org/officeDocument/2006/relationships" xmlns:p="http://schemas.openxmlformats.org/presentationml/2006/main">
+  <p:cSld>
+    <p:spTree>
+      <p:nvGrpSpPr>
+        <p:cNvPr id="1" name=""/>
+        <p:cNvGrpSpPr/>
+        <p:nvPr/>
+      </p:nvGrpSpPr>
+      <p:grpSpPr>
+        <a:xfrm>
+          <a:off x="0" y="0"/>
+          <a:ext cx="0" cy="0"/>
+          <a:chOff x="0" y="0"/>
+          <a:chExt cx="0" cy="0"/>
+        </a:xfrm>
+      </p:grpSpPr>
+      <p:sp>
+        <p:nvSpPr>
           <p:cNvPr id="2" name="Pladsholder til indhold 1"/>
           <p:cNvSpPr>
             <a:spLocks noGrp="1"/>
@@ -15156,8 +16072,17 @@
             </a:r>
             <a:r>
               <a:rPr lang="en-US" dirty="0" smtClean="0"/>
-              <a:t> 6.1</a:t>
-            </a:r>
+              <a:t> </a:t>
+            </a:r>
+            <a:r>
+              <a:rPr lang="en-US" dirty="0" smtClean="0"/>
+              <a:t>6.1 (</a:t>
+            </a:r>
+            <a:r>
+              <a:rPr lang="en-GB" dirty="0" smtClean="0"/>
+              <a:t>2009)</a:t>
+            </a:r>
+            <a:endParaRPr lang="en-US" dirty="0" smtClean="0"/>
           </a:p>
           <a:p>
             <a:r>
@@ -15234,10 +16159,17 @@
   <p:clrMapOvr>
     <a:masterClrMapping/>
   </p:clrMapOvr>
+  <p:timing>
+    <p:tnLst>
+      <p:par>
+        <p:cTn id="1" dur="indefinite" restart="never" nodeType="tmRoot"/>
+      </p:par>
+    </p:tnLst>
+  </p:timing>
 </p:sld>
 </file>
 
-<file path=ppt/slides/slide3.xml><?xml version="1.0" encoding="utf-8"?>
+<file path=ppt/slides/slide5.xml><?xml version="1.0" encoding="utf-8"?>
 <p:sld xmlns:a="http://schemas.openxmlformats.org/drawingml/2006/main" xmlns:r="http://schemas.openxmlformats.org/officeDocument/2006/relationships" xmlns:p="http://schemas.openxmlformats.org/presentationml/2006/main">
   <p:cSld>
     <p:spTree>
@@ -15364,184 +16296,13 @@
   <p:clrMapOvr>
     <a:masterClrMapping/>
   </p:clrMapOvr>
-</p:sld>
-</file>
-
-<file path=ppt/slides/slide4.xml><?xml version="1.0" encoding="utf-8"?>
-<p:sld xmlns:a="http://schemas.openxmlformats.org/drawingml/2006/main" xmlns:r="http://schemas.openxmlformats.org/officeDocument/2006/relationships" xmlns:p="http://schemas.openxmlformats.org/presentationml/2006/main">
-  <p:cSld>
-    <p:spTree>
-      <p:nvGrpSpPr>
-        <p:cNvPr id="1" name=""/>
-        <p:cNvGrpSpPr/>
-        <p:nvPr/>
-      </p:nvGrpSpPr>
-      <p:grpSpPr>
-        <a:xfrm>
-          <a:off x="0" y="0"/>
-          <a:ext cx="0" cy="0"/>
-          <a:chOff x="0" y="0"/>
-          <a:chExt cx="0" cy="0"/>
-        </a:xfrm>
-      </p:grpSpPr>
-      <p:sp>
-        <p:nvSpPr>
-          <p:cNvPr id="2" name="Pladsholder til indhold 1"/>
-          <p:cNvSpPr>
-            <a:spLocks noGrp="1"/>
-          </p:cNvSpPr>
-          <p:nvPr>
-            <p:ph idx="1"/>
-          </p:nvPr>
-        </p:nvSpPr>
-        <p:spPr/>
-        <p:txBody>
-          <a:bodyPr/>
-          <a:lstStyle/>
-          <a:p>
-            <a:endParaRPr lang="da-DK" dirty="0"/>
-          </a:p>
-        </p:txBody>
-      </p:sp>
-      <p:sp>
-        <p:nvSpPr>
-          <p:cNvPr id="3" name="Titel 2"/>
-          <p:cNvSpPr>
-            <a:spLocks noGrp="1"/>
-          </p:cNvSpPr>
-          <p:nvPr>
-            <p:ph type="title"/>
-          </p:nvPr>
-        </p:nvSpPr>
-        <p:spPr/>
-        <p:txBody>
-          <a:bodyPr/>
-          <a:lstStyle/>
-          <a:p>
-            <a:r>
-              <a:rPr lang="en-US" dirty="0" smtClean="0"/>
-              <a:t>Insert Rules Demonstration</a:t>
-            </a:r>
-            <a:endParaRPr lang="da-DK" dirty="0"/>
-          </a:p>
-        </p:txBody>
-      </p:sp>
-    </p:spTree>
-    <p:extLst>
-      <p:ext uri="{BB962C8B-B14F-4D97-AF65-F5344CB8AC3E}">
-        <p14:creationId xmlns:p14="http://schemas.microsoft.com/office/powerpoint/2010/main" val="2613105813"/>
-      </p:ext>
-    </p:extLst>
-  </p:cSld>
-  <p:clrMapOvr>
-    <a:masterClrMapping/>
-  </p:clrMapOvr>
-</p:sld>
-</file>
-
-<file path=ppt/slides/slide5.xml><?xml version="1.0" encoding="utf-8"?>
-<p:sld xmlns:a="http://schemas.openxmlformats.org/drawingml/2006/main" xmlns:r="http://schemas.openxmlformats.org/officeDocument/2006/relationships" xmlns:p="http://schemas.openxmlformats.org/presentationml/2006/main">
-  <p:cSld>
-    <p:spTree>
-      <p:nvGrpSpPr>
-        <p:cNvPr id="1" name=""/>
-        <p:cNvGrpSpPr/>
-        <p:nvPr/>
-      </p:nvGrpSpPr>
-      <p:grpSpPr>
-        <a:xfrm>
-          <a:off x="0" y="0"/>
-          <a:ext cx="0" cy="0"/>
-          <a:chOff x="0" y="0"/>
-          <a:chExt cx="0" cy="0"/>
-        </a:xfrm>
-      </p:grpSpPr>
-      <p:sp>
-        <p:nvSpPr>
-          <p:cNvPr id="2" name="Pladsholder til indhold 1"/>
-          <p:cNvSpPr>
-            <a:spLocks noGrp="1"/>
-          </p:cNvSpPr>
-          <p:nvPr>
-            <p:ph idx="1"/>
-          </p:nvPr>
-        </p:nvSpPr>
-        <p:spPr/>
-        <p:txBody>
-          <a:bodyPr/>
-          <a:lstStyle/>
-          <a:p>
-            <a:r>
-              <a:rPr lang="en-US" dirty="0" smtClean="0"/>
-              <a:t>Allows for writing complicated logic to control the information architecture of the solution</a:t>
-            </a:r>
-          </a:p>
-          <a:p>
-            <a:r>
-              <a:rPr lang="en-US" dirty="0" smtClean="0"/>
-              <a:t>Allows you to add or remove insert options via code</a:t>
-            </a:r>
-          </a:p>
-          <a:p>
-            <a:r>
-              <a:rPr lang="en-US" dirty="0" smtClean="0"/>
-              <a:t>Can be configured on an item or template level and further enabled or disabled by your CM users</a:t>
-            </a:r>
-            <a:br>
-              <a:rPr lang="en-US" dirty="0" smtClean="0"/>
-            </a:br>
-            <a:endParaRPr lang="en-US" dirty="0" smtClean="0"/>
-          </a:p>
-          <a:p>
-            <a:r>
-              <a:rPr lang="en-US" dirty="0" smtClean="0"/>
-              <a:t>Can in most cases be replaced by an equivalent Insert Options Rule using </a:t>
-            </a:r>
-            <a:r>
-              <a:rPr lang="en-US" dirty="0" err="1" smtClean="0"/>
-              <a:t>Sitecore</a:t>
-            </a:r>
-            <a:r>
-              <a:rPr lang="en-US" dirty="0" smtClean="0"/>
-              <a:t> Rules Engine</a:t>
-            </a:r>
-            <a:endParaRPr lang="da-DK" dirty="0"/>
-          </a:p>
-        </p:txBody>
-      </p:sp>
-      <p:sp>
-        <p:nvSpPr>
-          <p:cNvPr id="3" name="Titel 2"/>
-          <p:cNvSpPr>
-            <a:spLocks noGrp="1"/>
-          </p:cNvSpPr>
-          <p:nvPr>
-            <p:ph type="title"/>
-          </p:nvPr>
-        </p:nvSpPr>
-        <p:spPr/>
-        <p:txBody>
-          <a:bodyPr/>
-          <a:lstStyle/>
-          <a:p>
-            <a:r>
-              <a:rPr lang="en-US" dirty="0" smtClean="0"/>
-              <a:t>Insert Rules Summary</a:t>
-            </a:r>
-            <a:endParaRPr lang="da-DK" dirty="0"/>
-          </a:p>
-        </p:txBody>
-      </p:sp>
-    </p:spTree>
-    <p:extLst>
-      <p:ext uri="{BB962C8B-B14F-4D97-AF65-F5344CB8AC3E}">
-        <p14:creationId xmlns:p14="http://schemas.microsoft.com/office/powerpoint/2010/main" val="2173205431"/>
-      </p:ext>
-    </p:extLst>
-  </p:cSld>
-  <p:clrMapOvr>
-    <a:masterClrMapping/>
-  </p:clrMapOvr>
+  <p:timing>
+    <p:tnLst>
+      <p:par>
+        <p:cTn id="1" dur="indefinite" restart="never" nodeType="tmRoot"/>
+      </p:par>
+    </p:tnLst>
+  </p:timing>
 </p:sld>
 </file>
 
@@ -15564,25 +16325,6 @@
       </p:grpSpPr>
       <p:sp>
         <p:nvSpPr>
-          <p:cNvPr id="2" name="Pladsholder til indhold 1"/>
-          <p:cNvSpPr>
-            <a:spLocks noGrp="1"/>
-          </p:cNvSpPr>
-          <p:nvPr>
-            <p:ph idx="1"/>
-          </p:nvPr>
-        </p:nvSpPr>
-        <p:spPr/>
-        <p:txBody>
-          <a:bodyPr/>
-          <a:lstStyle/>
-          <a:p>
-            <a:endParaRPr lang="da-DK"/>
-          </a:p>
-        </p:txBody>
-      </p:sp>
-      <p:sp>
-        <p:nvSpPr>
           <p:cNvPr id="3" name="Titel 2"/>
           <p:cNvSpPr>
             <a:spLocks noGrp="1"/>
@@ -15593,29 +16335,77 @@
         </p:nvSpPr>
         <p:spPr/>
         <p:txBody>
-          <a:bodyPr>
-            <a:normAutofit fontScale="90000"/>
-          </a:bodyPr>
+          <a:bodyPr/>
           <a:lstStyle/>
           <a:p>
             <a:r>
               <a:rPr lang="en-US" dirty="0" smtClean="0"/>
-              <a:t>Insert Options Rules Demonstration</a:t>
+              <a:t>Insert Rules Demonstration</a:t>
             </a:r>
             <a:endParaRPr lang="da-DK" dirty="0"/>
           </a:p>
         </p:txBody>
       </p:sp>
+      <p:pic>
+        <p:nvPicPr>
+          <p:cNvPr id="1026" name="Picture 2" descr="https://media0.giphy.com/media/ZhjFECeRWbDWM/200.gif#123"/>
+          <p:cNvPicPr>
+            <a:picLocks noGrp="1" noChangeAspect="1" noChangeArrowheads="1" noCrop="1"/>
+          </p:cNvPicPr>
+          <p:nvPr>
+            <p:ph idx="1"/>
+          </p:nvPr>
+        </p:nvPicPr>
+        <p:blipFill>
+          <a:blip r:embed="rId3">
+            <a:extLst>
+              <a:ext uri="{28A0092B-C50C-407E-A947-70E740481C1C}">
+                <a14:useLocalDpi xmlns:a14="http://schemas.microsoft.com/office/drawing/2010/main" val="0"/>
+              </a:ext>
+            </a:extLst>
+          </a:blip>
+          <a:srcRect/>
+          <a:stretch>
+            <a:fillRect/>
+          </a:stretch>
+        </p:blipFill>
+        <p:spPr bwMode="auto">
+          <a:xfrm>
+            <a:off x="2875756" y="3448050"/>
+            <a:ext cx="3400425" cy="1905000"/>
+          </a:xfrm>
+          <a:prstGeom prst="rect">
+            <a:avLst/>
+          </a:prstGeom>
+          <a:noFill/>
+          <a:extLst>
+            <a:ext uri="{909E8E84-426E-40DD-AFC4-6F175D3DCCD1}">
+              <a14:hiddenFill xmlns:a14="http://schemas.microsoft.com/office/drawing/2010/main">
+                <a:solidFill>
+                  <a:srgbClr val="FFFFFF"/>
+                </a:solidFill>
+              </a14:hiddenFill>
+            </a:ext>
+          </a:extLst>
+        </p:spPr>
+      </p:pic>
     </p:spTree>
     <p:extLst>
       <p:ext uri="{BB962C8B-B14F-4D97-AF65-F5344CB8AC3E}">
-        <p14:creationId xmlns:p14="http://schemas.microsoft.com/office/powerpoint/2010/main" val="3657590148"/>
+        <p14:creationId xmlns:p14="http://schemas.microsoft.com/office/powerpoint/2010/main" val="2613105813"/>
       </p:ext>
     </p:extLst>
   </p:cSld>
   <p:clrMapOvr>
     <a:masterClrMapping/>
   </p:clrMapOvr>
+  <p:timing>
+    <p:tnLst>
+      <p:par>
+        <p:cTn id="1" dur="indefinite" restart="never" nodeType="tmRoot"/>
+      </p:par>
+    </p:tnLst>
+  </p:timing>
 </p:sld>
 </file>
 
@@ -15653,26 +16443,39 @@
           <a:p>
             <a:r>
               <a:rPr lang="en-US" dirty="0" smtClean="0"/>
-              <a:t>Highly flexible configuration of Insert Options without having to deploy code</a:t>
+              <a:t>Allows for writing complicated logic to control the information architecture of the solution</a:t>
             </a:r>
           </a:p>
           <a:p>
             <a:r>
               <a:rPr lang="en-US" dirty="0" smtClean="0"/>
-              <a:t>Can solve problems such as site-specific Insert Options and adapt to specific roles of the CM user</a:t>
+              <a:t>Allows you to add or remove insert options via code</a:t>
             </a:r>
           </a:p>
           <a:p>
             <a:r>
               <a:rPr lang="en-US" dirty="0" smtClean="0"/>
-              <a:t>Runs globally, not bound to specific items or templates</a:t>
-            </a:r>
-          </a:p>
-          <a:p>
-            <a:r>
+              <a:t>Can be configured on an item or template level and further enabled or disabled by your CM users</a:t>
+            </a:r>
+            <a:br>
               <a:rPr lang="en-US" dirty="0" smtClean="0"/>
-              <a:t>Adding your own conditions to solve specific cases is relatively straight forward</a:t>
-            </a:r>
+            </a:br>
+            <a:endParaRPr lang="en-US" dirty="0" smtClean="0"/>
+          </a:p>
+          <a:p>
+            <a:r>
+              <a:rPr lang="en-US" dirty="0" smtClean="0"/>
+              <a:t>Can in most cases be replaced by an equivalent Insert Options Rule using </a:t>
+            </a:r>
+            <a:r>
+              <a:rPr lang="en-US" dirty="0" err="1" smtClean="0"/>
+              <a:t>Sitecore</a:t>
+            </a:r>
+            <a:r>
+              <a:rPr lang="en-US" dirty="0" smtClean="0"/>
+              <a:t> Rules Engine</a:t>
+            </a:r>
+            <a:endParaRPr lang="da-DK" dirty="0"/>
           </a:p>
         </p:txBody>
       </p:sp>
@@ -15693,7 +16496,7 @@
           <a:p>
             <a:r>
               <a:rPr lang="en-US" dirty="0" smtClean="0"/>
-              <a:t>Insert Options Rules Summary</a:t>
+              <a:t>Insert Rules Summary</a:t>
             </a:r>
             <a:endParaRPr lang="da-DK" dirty="0"/>
           </a:p>
@@ -15702,13 +16505,20 @@
     </p:spTree>
     <p:extLst>
       <p:ext uri="{BB962C8B-B14F-4D97-AF65-F5344CB8AC3E}">
-        <p14:creationId xmlns:p14="http://schemas.microsoft.com/office/powerpoint/2010/main" val="1406582938"/>
+        <p14:creationId xmlns:p14="http://schemas.microsoft.com/office/powerpoint/2010/main" val="2173205431"/>
       </p:ext>
     </p:extLst>
   </p:cSld>
   <p:clrMapOvr>
     <a:masterClrMapping/>
   </p:clrMapOvr>
+  <p:timing>
+    <p:tnLst>
+      <p:par>
+        <p:cTn id="1" dur="indefinite" restart="never" nodeType="tmRoot"/>
+      </p:par>
+    </p:tnLst>
+  </p:timing>
 </p:sld>
 </file>
 
@@ -15744,39 +16554,7 @@
           <a:bodyPr/>
           <a:lstStyle/>
           <a:p>
-            <a:r>
-              <a:rPr lang="en-US" dirty="0" smtClean="0"/>
-              <a:t>Replicating the hard wired logic from our Insert Rule in a simple </a:t>
-            </a:r>
-            <a:r>
-              <a:rPr lang="en-US" dirty="0" err="1" smtClean="0"/>
-              <a:t>Sitecore</a:t>
-            </a:r>
-            <a:r>
-              <a:rPr lang="en-US" dirty="0" smtClean="0"/>
-              <a:t> Rules Engine Rule</a:t>
-            </a:r>
-          </a:p>
-          <a:p>
-            <a:r>
-              <a:rPr lang="en-US" dirty="0" err="1" smtClean="0"/>
-              <a:t>MaxFoldersAllowed</a:t>
-            </a:r>
-            <a:r>
-              <a:rPr lang="en-US" dirty="0" smtClean="0"/>
-              <a:t> as a </a:t>
-            </a:r>
-            <a:r>
-              <a:rPr lang="en-US" dirty="0" err="1" smtClean="0"/>
-              <a:t>WhenCondition</a:t>
-            </a:r>
-            <a:r>
-              <a:rPr lang="en-US" dirty="0" smtClean="0"/>
-              <a:t>&lt;T&gt;</a:t>
-            </a:r>
-          </a:p>
-          <a:p>
-            <a:endParaRPr lang="da-DK" dirty="0"/>
+            <a:endParaRPr lang="da-DK"/>
           </a:p>
         </p:txBody>
       </p:sp>
@@ -15799,7 +16577,7 @@
           <a:p>
             <a:r>
               <a:rPr lang="en-US" dirty="0" smtClean="0"/>
-              <a:t>Insert Options Condition Demonstration</a:t>
+              <a:t>Insert Options Rules Demonstration</a:t>
             </a:r>
             <a:endParaRPr lang="da-DK" dirty="0"/>
           </a:p>
@@ -15808,7 +16586,7 @@
     </p:spTree>
     <p:extLst>
       <p:ext uri="{BB962C8B-B14F-4D97-AF65-F5344CB8AC3E}">
-        <p14:creationId xmlns:p14="http://schemas.microsoft.com/office/powerpoint/2010/main" val="842079178"/>
+        <p14:creationId xmlns:p14="http://schemas.microsoft.com/office/powerpoint/2010/main" val="3657590148"/>
       </p:ext>
     </p:extLst>
   </p:cSld>
@@ -15852,23 +16630,26 @@
           <a:p>
             <a:r>
               <a:rPr lang="en-US" dirty="0" smtClean="0"/>
-              <a:t>Make it configurable, how many Folder items are allowed</a:t>
+              <a:t>Highly flexible configuration of Insert Options without having to deploy code</a:t>
             </a:r>
           </a:p>
           <a:p>
             <a:r>
               <a:rPr lang="en-US" dirty="0" smtClean="0"/>
-              <a:t>Based on the </a:t>
-            </a:r>
-            <a:r>
-              <a:rPr lang="en-US" dirty="0" err="1" smtClean="0"/>
-              <a:t>IntegerOperatorCondition</a:t>
-            </a:r>
+              <a:t>Can solve problems such as site-specific Insert Options and adapt to specific roles of the CM user</a:t>
+            </a:r>
+          </a:p>
+          <a:p>
             <a:r>
               <a:rPr lang="en-US" dirty="0" smtClean="0"/>
-              <a:t>&lt;T&gt;</a:t>
-            </a:r>
-            <a:endParaRPr lang="da-DK" dirty="0"/>
+              <a:t>Runs globally, not bound to specific items or templates</a:t>
+            </a:r>
+          </a:p>
+          <a:p>
+            <a:r>
+              <a:rPr lang="en-US" dirty="0" smtClean="0"/>
+              <a:t>Adding your own conditions to solve specific cases is relatively straight forward</a:t>
+            </a:r>
           </a:p>
         </p:txBody>
       </p:sp>
@@ -15884,14 +16665,12 @@
         </p:nvSpPr>
         <p:spPr/>
         <p:txBody>
-          <a:bodyPr>
-            <a:normAutofit fontScale="90000"/>
-          </a:bodyPr>
+          <a:bodyPr/>
           <a:lstStyle/>
           <a:p>
             <a:r>
               <a:rPr lang="en-US" dirty="0" smtClean="0"/>
-              <a:t>Expanding Our Insert Option Condition Demonstration</a:t>
+              <a:t>Insert Options Rules Summary</a:t>
             </a:r>
             <a:endParaRPr lang="da-DK" dirty="0"/>
           </a:p>
@@ -15900,7 +16679,7 @@
     </p:spTree>
     <p:extLst>
       <p:ext uri="{BB962C8B-B14F-4D97-AF65-F5344CB8AC3E}">
-        <p14:creationId xmlns:p14="http://schemas.microsoft.com/office/powerpoint/2010/main" val="2029430713"/>
+        <p14:creationId xmlns:p14="http://schemas.microsoft.com/office/powerpoint/2010/main" val="1406582938"/>
       </p:ext>
     </p:extLst>
   </p:cSld>
@@ -16204,4 +16983,265 @@
   <a:objectDefaults/>
   <a:extraClrSchemeLst/>
 </a:theme>
+</file>
+
+<file path=ppt/theme/theme2.xml><?xml version="1.0" encoding="utf-8"?>
+<a:theme xmlns:a="http://schemas.openxmlformats.org/drawingml/2006/main" name="Office Theme">
+  <a:themeElements>
+    <a:clrScheme name="Office">
+      <a:dk1>
+        <a:sysClr val="windowText" lastClr="000000"/>
+      </a:dk1>
+      <a:lt1>
+        <a:sysClr val="window" lastClr="FFFFFF"/>
+      </a:lt1>
+      <a:dk2>
+        <a:srgbClr val="44546A"/>
+      </a:dk2>
+      <a:lt2>
+        <a:srgbClr val="E7E6E6"/>
+      </a:lt2>
+      <a:accent1>
+        <a:srgbClr val="5B9BD5"/>
+      </a:accent1>
+      <a:accent2>
+        <a:srgbClr val="ED7D31"/>
+      </a:accent2>
+      <a:accent3>
+        <a:srgbClr val="A5A5A5"/>
+      </a:accent3>
+      <a:accent4>
+        <a:srgbClr val="FFC000"/>
+      </a:accent4>
+      <a:accent5>
+        <a:srgbClr val="4472C4"/>
+      </a:accent5>
+      <a:accent6>
+        <a:srgbClr val="70AD47"/>
+      </a:accent6>
+      <a:hlink>
+        <a:srgbClr val="0563C1"/>
+      </a:hlink>
+      <a:folHlink>
+        <a:srgbClr val="954F72"/>
+      </a:folHlink>
+    </a:clrScheme>
+    <a:fontScheme name="Office">
+      <a:majorFont>
+        <a:latin typeface="Calibri Light" panose="020F0302020204030204"/>
+        <a:ea typeface=""/>
+        <a:cs typeface=""/>
+        <a:font script="Jpan" typeface="ＭＳ Ｐゴシック"/>
+        <a:font script="Hang" typeface="맑은 고딕"/>
+        <a:font script="Hans" typeface="宋体"/>
+        <a:font script="Hant" typeface="新細明體"/>
+        <a:font script="Arab" typeface="Times New Roman"/>
+        <a:font script="Hebr" typeface="Times New Roman"/>
+        <a:font script="Thai" typeface="Angsana New"/>
+        <a:font script="Ethi" typeface="Nyala"/>
+        <a:font script="Beng" typeface="Vrinda"/>
+        <a:font script="Gujr" typeface="Shruti"/>
+        <a:font script="Khmr" typeface="MoolBoran"/>
+        <a:font script="Knda" typeface="Tunga"/>
+        <a:font script="Guru" typeface="Raavi"/>
+        <a:font script="Cans" typeface="Euphemia"/>
+        <a:font script="Cher" typeface="Plantagenet Cherokee"/>
+        <a:font script="Yiii" typeface="Microsoft Yi Baiti"/>
+        <a:font script="Tibt" typeface="Microsoft Himalaya"/>
+        <a:font script="Thaa" typeface="MV Boli"/>
+        <a:font script="Deva" typeface="Mangal"/>
+        <a:font script="Telu" typeface="Gautami"/>
+        <a:font script="Taml" typeface="Latha"/>
+        <a:font script="Syrc" typeface="Estrangelo Edessa"/>
+        <a:font script="Orya" typeface="Kalinga"/>
+        <a:font script="Mlym" typeface="Kartika"/>
+        <a:font script="Laoo" typeface="DokChampa"/>
+        <a:font script="Sinh" typeface="Iskoola Pota"/>
+        <a:font script="Mong" typeface="Mongolian Baiti"/>
+        <a:font script="Viet" typeface="Times New Roman"/>
+        <a:font script="Uigh" typeface="Microsoft Uighur"/>
+        <a:font script="Geor" typeface="Sylfaen"/>
+      </a:majorFont>
+      <a:minorFont>
+        <a:latin typeface="Calibri" panose="020F0502020204030204"/>
+        <a:ea typeface=""/>
+        <a:cs typeface=""/>
+        <a:font script="Jpan" typeface="ＭＳ Ｐゴシック"/>
+        <a:font script="Hang" typeface="맑은 고딕"/>
+        <a:font script="Hans" typeface="宋体"/>
+        <a:font script="Hant" typeface="新細明體"/>
+        <a:font script="Arab" typeface="Arial"/>
+        <a:font script="Hebr" typeface="Arial"/>
+        <a:font script="Thai" typeface="Cordia New"/>
+        <a:font script="Ethi" typeface="Nyala"/>
+        <a:font script="Beng" typeface="Vrinda"/>
+        <a:font script="Gujr" typeface="Shruti"/>
+        <a:font script="Khmr" typeface="DaunPenh"/>
+        <a:font script="Knda" typeface="Tunga"/>
+        <a:font script="Guru" typeface="Raavi"/>
+        <a:font script="Cans" typeface="Euphemia"/>
+        <a:font script="Cher" typeface="Plantagenet Cherokee"/>
+        <a:font script="Yiii" typeface="Microsoft Yi Baiti"/>
+        <a:font script="Tibt" typeface="Microsoft Himalaya"/>
+        <a:font script="Thaa" typeface="MV Boli"/>
+        <a:font script="Deva" typeface="Mangal"/>
+        <a:font script="Telu" typeface="Gautami"/>
+        <a:font script="Taml" typeface="Latha"/>
+        <a:font script="Syrc" typeface="Estrangelo Edessa"/>
+        <a:font script="Orya" typeface="Kalinga"/>
+        <a:font script="Mlym" typeface="Kartika"/>
+        <a:font script="Laoo" typeface="DokChampa"/>
+        <a:font script="Sinh" typeface="Iskoola Pota"/>
+        <a:font script="Mong" typeface="Mongolian Baiti"/>
+        <a:font script="Viet" typeface="Arial"/>
+        <a:font script="Uigh" typeface="Microsoft Uighur"/>
+        <a:font script="Geor" typeface="Sylfaen"/>
+      </a:minorFont>
+    </a:fontScheme>
+    <a:fmtScheme name="Office">
+      <a:fillStyleLst>
+        <a:solidFill>
+          <a:schemeClr val="phClr"/>
+        </a:solidFill>
+        <a:gradFill rotWithShape="1">
+          <a:gsLst>
+            <a:gs pos="0">
+              <a:schemeClr val="phClr">
+                <a:lumMod val="110000"/>
+                <a:satMod val="105000"/>
+                <a:tint val="67000"/>
+              </a:schemeClr>
+            </a:gs>
+            <a:gs pos="50000">
+              <a:schemeClr val="phClr">
+                <a:lumMod val="105000"/>
+                <a:satMod val="103000"/>
+                <a:tint val="73000"/>
+              </a:schemeClr>
+            </a:gs>
+            <a:gs pos="100000">
+              <a:schemeClr val="phClr">
+                <a:lumMod val="105000"/>
+                <a:satMod val="109000"/>
+                <a:tint val="81000"/>
+              </a:schemeClr>
+            </a:gs>
+          </a:gsLst>
+          <a:lin ang="5400000" scaled="0"/>
+        </a:gradFill>
+        <a:gradFill rotWithShape="1">
+          <a:gsLst>
+            <a:gs pos="0">
+              <a:schemeClr val="phClr">
+                <a:satMod val="103000"/>
+                <a:lumMod val="102000"/>
+                <a:tint val="94000"/>
+              </a:schemeClr>
+            </a:gs>
+            <a:gs pos="50000">
+              <a:schemeClr val="phClr">
+                <a:satMod val="110000"/>
+                <a:lumMod val="100000"/>
+                <a:shade val="100000"/>
+              </a:schemeClr>
+            </a:gs>
+            <a:gs pos="100000">
+              <a:schemeClr val="phClr">
+                <a:lumMod val="99000"/>
+                <a:satMod val="120000"/>
+                <a:shade val="78000"/>
+              </a:schemeClr>
+            </a:gs>
+          </a:gsLst>
+          <a:lin ang="5400000" scaled="0"/>
+        </a:gradFill>
+      </a:fillStyleLst>
+      <a:lnStyleLst>
+        <a:ln w="6350" cap="flat" cmpd="sng" algn="ctr">
+          <a:solidFill>
+            <a:schemeClr val="phClr"/>
+          </a:solidFill>
+          <a:prstDash val="solid"/>
+          <a:miter lim="800000"/>
+        </a:ln>
+        <a:ln w="12700" cap="flat" cmpd="sng" algn="ctr">
+          <a:solidFill>
+            <a:schemeClr val="phClr"/>
+          </a:solidFill>
+          <a:prstDash val="solid"/>
+          <a:miter lim="800000"/>
+        </a:ln>
+        <a:ln w="19050" cap="flat" cmpd="sng" algn="ctr">
+          <a:solidFill>
+            <a:schemeClr val="phClr"/>
+          </a:solidFill>
+          <a:prstDash val="solid"/>
+          <a:miter lim="800000"/>
+        </a:ln>
+      </a:lnStyleLst>
+      <a:effectStyleLst>
+        <a:effectStyle>
+          <a:effectLst/>
+        </a:effectStyle>
+        <a:effectStyle>
+          <a:effectLst/>
+        </a:effectStyle>
+        <a:effectStyle>
+          <a:effectLst>
+            <a:outerShdw blurRad="57150" dist="19050" dir="5400000" algn="ctr" rotWithShape="0">
+              <a:srgbClr val="000000">
+                <a:alpha val="63000"/>
+              </a:srgbClr>
+            </a:outerShdw>
+          </a:effectLst>
+        </a:effectStyle>
+      </a:effectStyleLst>
+      <a:bgFillStyleLst>
+        <a:solidFill>
+          <a:schemeClr val="phClr"/>
+        </a:solidFill>
+        <a:solidFill>
+          <a:schemeClr val="phClr">
+            <a:tint val="95000"/>
+            <a:satMod val="170000"/>
+          </a:schemeClr>
+        </a:solidFill>
+        <a:gradFill rotWithShape="1">
+          <a:gsLst>
+            <a:gs pos="0">
+              <a:schemeClr val="phClr">
+                <a:tint val="93000"/>
+                <a:satMod val="150000"/>
+                <a:shade val="98000"/>
+                <a:lumMod val="102000"/>
+              </a:schemeClr>
+            </a:gs>
+            <a:gs pos="50000">
+              <a:schemeClr val="phClr">
+                <a:tint val="98000"/>
+                <a:satMod val="130000"/>
+                <a:shade val="90000"/>
+                <a:lumMod val="103000"/>
+              </a:schemeClr>
+            </a:gs>
+            <a:gs pos="100000">
+              <a:schemeClr val="phClr">
+                <a:shade val="63000"/>
+                <a:satMod val="120000"/>
+              </a:schemeClr>
+            </a:gs>
+          </a:gsLst>
+          <a:lin ang="5400000" scaled="0"/>
+        </a:gradFill>
+      </a:bgFillStyleLst>
+    </a:fmtScheme>
+  </a:themeElements>
+  <a:objectDefaults/>
+  <a:extraClrSchemeLst/>
+  <a:extLst>
+    <a:ext uri="{05A4C25C-085E-4340-85A3-A5531E510DB2}">
+      <thm15:themeFamily xmlns:thm15="http://schemas.microsoft.com/office/thememl/2012/main" name="Office Theme" id="{62F939B6-93AF-4DB8-9C6B-D6C7DFDC589F}" vid="{4A3C46E8-61CC-4603-A589-7422A47A8E4A}"/>
+    </a:ext>
+  </a:extLst>
+</a:theme>
 </file>
--- a/Rule your solutions.pptx
+++ b/Rule your solutions.pptx
@@ -577,6 +577,215 @@
     <p:extLst>
       <p:ext uri="{BB962C8B-B14F-4D97-AF65-F5344CB8AC3E}">
         <p14:creationId xmlns:p14="http://schemas.microsoft.com/office/powerpoint/2010/main" val="1165465512"/>
+      </p:ext>
+    </p:extLst>
+  </p:cSld>
+  <p:clrMapOvr>
+    <a:masterClrMapping/>
+  </p:clrMapOvr>
+</p:notes>
+</file>
+
+<file path=ppt/notesSlides/notesSlide2.xml><?xml version="1.0" encoding="utf-8"?>
+<p:notes xmlns:a="http://schemas.openxmlformats.org/drawingml/2006/main" xmlns:r="http://schemas.openxmlformats.org/officeDocument/2006/relationships" xmlns:p="http://schemas.openxmlformats.org/presentationml/2006/main">
+  <p:cSld>
+    <p:spTree>
+      <p:nvGrpSpPr>
+        <p:cNvPr id="1" name=""/>
+        <p:cNvGrpSpPr/>
+        <p:nvPr/>
+      </p:nvGrpSpPr>
+      <p:grpSpPr>
+        <a:xfrm>
+          <a:off x="0" y="0"/>
+          <a:ext cx="0" cy="0"/>
+          <a:chOff x="0" y="0"/>
+          <a:chExt cx="0" cy="0"/>
+        </a:xfrm>
+      </p:grpSpPr>
+      <p:sp>
+        <p:nvSpPr>
+          <p:cNvPr id="2" name="Slide Image Placeholder 1"/>
+          <p:cNvSpPr>
+            <a:spLocks noGrp="1" noRot="1" noChangeAspect="1"/>
+          </p:cNvSpPr>
+          <p:nvPr>
+            <p:ph type="sldImg"/>
+          </p:nvPr>
+        </p:nvSpPr>
+        <p:spPr/>
+      </p:sp>
+      <p:sp>
+        <p:nvSpPr>
+          <p:cNvPr id="3" name="Notes Placeholder 2"/>
+          <p:cNvSpPr>
+            <a:spLocks noGrp="1"/>
+          </p:cNvSpPr>
+          <p:nvPr>
+            <p:ph type="body" idx="1"/>
+          </p:nvPr>
+        </p:nvSpPr>
+        <p:spPr/>
+        <p:txBody>
+          <a:bodyPr/>
+          <a:lstStyle/>
+          <a:p>
+            <a:r>
+              <a:rPr lang="en-GB" dirty="0" err="1" smtClean="0"/>
+              <a:t>Sitecore</a:t>
+            </a:r>
+            <a:r>
+              <a:rPr lang="en-GB" dirty="0" smtClean="0"/>
+              <a:t> -&gt; System -&gt; Settings -&gt; Rules -&gt;</a:t>
+            </a:r>
+            <a:r>
+              <a:rPr lang="en-GB" baseline="0" dirty="0" smtClean="0"/>
+              <a:t> Insert Options</a:t>
+            </a:r>
+            <a:endParaRPr lang="en-GB" dirty="0"/>
+          </a:p>
+        </p:txBody>
+      </p:sp>
+      <p:sp>
+        <p:nvSpPr>
+          <p:cNvPr id="4" name="Slide Number Placeholder 3"/>
+          <p:cNvSpPr>
+            <a:spLocks noGrp="1"/>
+          </p:cNvSpPr>
+          <p:nvPr>
+            <p:ph type="sldNum" sz="quarter" idx="10"/>
+          </p:nvPr>
+        </p:nvSpPr>
+        <p:spPr/>
+        <p:txBody>
+          <a:bodyPr/>
+          <a:lstStyle/>
+          <a:p>
+            <a:fld id="{6FE02C74-E09A-4BCB-A5F4-476E0F06F59A}" type="slidenum">
+              <a:rPr lang="en-GB" smtClean="0"/>
+              <a:t>8</a:t>
+            </a:fld>
+            <a:endParaRPr lang="en-GB"/>
+          </a:p>
+        </p:txBody>
+      </p:sp>
+    </p:spTree>
+    <p:extLst>
+      <p:ext uri="{BB962C8B-B14F-4D97-AF65-F5344CB8AC3E}">
+        <p14:creationId xmlns:p14="http://schemas.microsoft.com/office/powerpoint/2010/main" val="995787915"/>
+      </p:ext>
+    </p:extLst>
+  </p:cSld>
+  <p:clrMapOvr>
+    <a:masterClrMapping/>
+  </p:clrMapOvr>
+</p:notes>
+</file>
+
+<file path=ppt/notesSlides/notesSlide3.xml><?xml version="1.0" encoding="utf-8"?>
+<p:notes xmlns:a="http://schemas.openxmlformats.org/drawingml/2006/main" xmlns:r="http://schemas.openxmlformats.org/officeDocument/2006/relationships" xmlns:p="http://schemas.openxmlformats.org/presentationml/2006/main">
+  <p:cSld>
+    <p:spTree>
+      <p:nvGrpSpPr>
+        <p:cNvPr id="1" name=""/>
+        <p:cNvGrpSpPr/>
+        <p:nvPr/>
+      </p:nvGrpSpPr>
+      <p:grpSpPr>
+        <a:xfrm>
+          <a:off x="0" y="0"/>
+          <a:ext cx="0" cy="0"/>
+          <a:chOff x="0" y="0"/>
+          <a:chExt cx="0" cy="0"/>
+        </a:xfrm>
+      </p:grpSpPr>
+      <p:sp>
+        <p:nvSpPr>
+          <p:cNvPr id="2" name="Slide Image Placeholder 1"/>
+          <p:cNvSpPr>
+            <a:spLocks noGrp="1" noRot="1" noChangeAspect="1"/>
+          </p:cNvSpPr>
+          <p:nvPr>
+            <p:ph type="sldImg"/>
+          </p:nvPr>
+        </p:nvSpPr>
+        <p:spPr/>
+      </p:sp>
+      <p:sp>
+        <p:nvSpPr>
+          <p:cNvPr id="3" name="Notes Placeholder 2"/>
+          <p:cNvSpPr>
+            <a:spLocks noGrp="1"/>
+          </p:cNvSpPr>
+          <p:nvPr>
+            <p:ph type="body" idx="1"/>
+          </p:nvPr>
+        </p:nvSpPr>
+        <p:spPr/>
+        <p:txBody>
+          <a:bodyPr/>
+          <a:lstStyle/>
+          <a:p>
+            <a:r>
+              <a:rPr lang="en-GB" dirty="0" smtClean="0"/>
+              <a:t>/</a:t>
+            </a:r>
+            <a:r>
+              <a:rPr lang="en-GB" dirty="0" err="1" smtClean="0"/>
+              <a:t>sitecore</a:t>
+            </a:r>
+            <a:r>
+              <a:rPr lang="en-GB" dirty="0" smtClean="0"/>
+              <a:t>/system/Settings/Rules/Definitions/Elements/Insert Options/Sections Allowed</a:t>
+            </a:r>
+            <a:br>
+              <a:rPr lang="en-GB" dirty="0" smtClean="0"/>
+            </a:br>
+            <a:r>
+              <a:rPr lang="en-GB" dirty="0" smtClean="0"/>
+              <a:t>/</a:t>
+            </a:r>
+            <a:r>
+              <a:rPr lang="en-GB" dirty="0" err="1" smtClean="0"/>
+              <a:t>sitecore</a:t>
+            </a:r>
+            <a:r>
+              <a:rPr lang="en-GB" dirty="0" smtClean="0"/>
+              <a:t>/system/Settings/Rules/Insert Options/Rules</a:t>
+            </a:r>
+          </a:p>
+          <a:p>
+            <a:endParaRPr lang="en-GB" dirty="0"/>
+          </a:p>
+        </p:txBody>
+      </p:sp>
+      <p:sp>
+        <p:nvSpPr>
+          <p:cNvPr id="4" name="Slide Number Placeholder 3"/>
+          <p:cNvSpPr>
+            <a:spLocks noGrp="1"/>
+          </p:cNvSpPr>
+          <p:nvPr>
+            <p:ph type="sldNum" sz="quarter" idx="10"/>
+          </p:nvPr>
+        </p:nvSpPr>
+        <p:spPr/>
+        <p:txBody>
+          <a:bodyPr/>
+          <a:lstStyle/>
+          <a:p>
+            <a:fld id="{6FE02C74-E09A-4BCB-A5F4-476E0F06F59A}" type="slidenum">
+              <a:rPr lang="en-GB" smtClean="0"/>
+              <a:t>10</a:t>
+            </a:fld>
+            <a:endParaRPr lang="en-GB"/>
+          </a:p>
+        </p:txBody>
+      </p:sp>
+    </p:spTree>
+    <p:extLst>
+      <p:ext uri="{BB962C8B-B14F-4D97-AF65-F5344CB8AC3E}">
+        <p14:creationId xmlns:p14="http://schemas.microsoft.com/office/powerpoint/2010/main" val="426020143"/>
       </p:ext>
     </p:extLst>
   </p:cSld>
@@ -15181,8 +15390,34 @@
             </a:r>
             <a:r>
               <a:rPr lang="en-US" dirty="0" smtClean="0"/>
-              <a:t>&lt;T&gt;</a:t>
-            </a:r>
+              <a:t>&lt;T</a:t>
+            </a:r>
+            <a:r>
+              <a:rPr lang="en-US" dirty="0" smtClean="0"/>
+              <a:t>&gt;</a:t>
+            </a:r>
+          </a:p>
+          <a:p>
+            <a:r>
+              <a:rPr lang="en-US" dirty="0" smtClean="0"/>
+              <a:t>Achieves what we did before, but can now be combined with additional conditions</a:t>
+            </a:r>
+          </a:p>
+          <a:p>
+            <a:pPr lvl="1"/>
+            <a:r>
+              <a:rPr lang="en-US" dirty="0" smtClean="0"/>
+              <a:t>E.g. “if user is in role </a:t>
+            </a:r>
+            <a:r>
+              <a:rPr lang="en-US" u="sng" dirty="0" smtClean="0"/>
+              <a:t>Site Admins</a:t>
+            </a:r>
+            <a:r>
+              <a:rPr lang="en-US" dirty="0" smtClean="0"/>
+              <a:t> OR …”</a:t>
+            </a:r>
+            <a:endParaRPr lang="en-US" dirty="0" smtClean="0"/>
           </a:p>
           <a:p>
             <a:endParaRPr lang="da-DK" dirty="0"/>
@@ -15224,6 +15459,13 @@
   <p:clrMapOvr>
     <a:masterClrMapping/>
   </p:clrMapOvr>
+  <p:timing>
+    <p:tnLst>
+      <p:par>
+        <p:cTn id="1" dur="indefinite" restart="never" nodeType="tmRoot"/>
+      </p:par>
+    </p:tnLst>
+  </p:timing>
 </p:sld>
 </file>
 
@@ -15261,7 +15503,19 @@
           <a:p>
             <a:r>
               <a:rPr lang="en-US" dirty="0" smtClean="0"/>
-              <a:t>Make it configurable, how many Folder items are allowed</a:t>
+              <a:t>Make it configurable, how </a:t>
+            </a:r>
+            <a:r>
+              <a:rPr lang="en-US" smtClean="0"/>
+              <a:t>many </a:t>
+            </a:r>
+            <a:r>
+              <a:rPr lang="en-US" smtClean="0"/>
+              <a:t>Section items </a:t>
+            </a:r>
+            <a:r>
+              <a:rPr lang="en-US" dirty="0" smtClean="0"/>
+              <a:t>are allowed</a:t>
             </a:r>
           </a:p>
           <a:p>
@@ -15316,6 +15570,13 @@
   <p:clrMapOvr>
     <a:masterClrMapping/>
   </p:clrMapOvr>
+  <p:timing>
+    <p:tnLst>
+      <p:par>
+        <p:cTn id="1" dur="indefinite" restart="never" nodeType="tmRoot"/>
+      </p:par>
+    </p:tnLst>
+  </p:timing>
 </p:sld>
 </file>
 
@@ -16143,7 +16404,11 @@
           <a:p>
             <a:r>
               <a:rPr lang="en-US" dirty="0" smtClean="0"/>
-              <a:t>A brief overview</a:t>
+              <a:t>Rules Engine - A </a:t>
+            </a:r>
+            <a:r>
+              <a:rPr lang="en-US" dirty="0" smtClean="0"/>
+              <a:t>brief overview</a:t>
             </a:r>
             <a:endParaRPr lang="da-DK" dirty="0"/>
           </a:p>
@@ -16541,25 +16806,6 @@
       </p:grpSpPr>
       <p:sp>
         <p:nvSpPr>
-          <p:cNvPr id="2" name="Pladsholder til indhold 1"/>
-          <p:cNvSpPr>
-            <a:spLocks noGrp="1"/>
-          </p:cNvSpPr>
-          <p:nvPr>
-            <p:ph idx="1"/>
-          </p:nvPr>
-        </p:nvSpPr>
-        <p:spPr/>
-        <p:txBody>
-          <a:bodyPr/>
-          <a:lstStyle/>
-          <a:p>
-            <a:endParaRPr lang="da-DK"/>
-          </a:p>
-        </p:txBody>
-      </p:sp>
-      <p:sp>
-        <p:nvSpPr>
           <p:cNvPr id="3" name="Titel 2"/>
           <p:cNvSpPr>
             <a:spLocks noGrp="1"/>
@@ -16583,6 +16829,49 @@
           </a:p>
         </p:txBody>
       </p:sp>
+      <p:pic>
+        <p:nvPicPr>
+          <p:cNvPr id="2050" name="Picture 2" descr="https://media2.giphy.com/media/azA0igTLB8YJW/200.gif#194"/>
+          <p:cNvPicPr>
+            <a:picLocks noGrp="1" noChangeAspect="1" noChangeArrowheads="1" noCrop="1"/>
+          </p:cNvPicPr>
+          <p:nvPr>
+            <p:ph idx="1"/>
+          </p:nvPr>
+        </p:nvPicPr>
+        <p:blipFill>
+          <a:blip r:embed="rId3">
+            <a:extLst>
+              <a:ext uri="{28A0092B-C50C-407E-A947-70E740481C1C}">
+                <a14:useLocalDpi xmlns:a14="http://schemas.microsoft.com/office/drawing/2010/main" val="0"/>
+              </a:ext>
+            </a:extLst>
+          </a:blip>
+          <a:srcRect/>
+          <a:stretch>
+            <a:fillRect/>
+          </a:stretch>
+        </p:blipFill>
+        <p:spPr bwMode="auto">
+          <a:xfrm>
+            <a:off x="3304381" y="3448050"/>
+            <a:ext cx="2543175" cy="1905000"/>
+          </a:xfrm>
+          <a:prstGeom prst="rect">
+            <a:avLst/>
+          </a:prstGeom>
+          <a:noFill/>
+          <a:extLst>
+            <a:ext uri="{909E8E84-426E-40DD-AFC4-6F175D3DCCD1}">
+              <a14:hiddenFill xmlns:a14="http://schemas.microsoft.com/office/drawing/2010/main">
+                <a:solidFill>
+                  <a:srgbClr val="FFFFFF"/>
+                </a:solidFill>
+              </a14:hiddenFill>
+            </a:ext>
+          </a:extLst>
+        </p:spPr>
+      </p:pic>
     </p:spTree>
     <p:extLst>
       <p:ext uri="{BB962C8B-B14F-4D97-AF65-F5344CB8AC3E}">
@@ -16593,6 +16882,13 @@
   <p:clrMapOvr>
     <a:masterClrMapping/>
   </p:clrMapOvr>
+  <p:timing>
+    <p:tnLst>
+      <p:par>
+        <p:cTn id="1" dur="indefinite" restart="never" nodeType="tmRoot"/>
+      </p:par>
+    </p:tnLst>
+  </p:timing>
 </p:sld>
 </file>
 
@@ -16686,6 +16982,13 @@
   <p:clrMapOvr>
     <a:masterClrMapping/>
   </p:clrMapOvr>
+  <p:timing>
+    <p:tnLst>
+      <p:par>
+        <p:cTn id="1" dur="indefinite" restart="never" nodeType="tmRoot"/>
+      </p:par>
+    </p:tnLst>
+  </p:timing>
 </p:sld>
 </file>
 
